--- a/presentation.pptx
+++ b/presentation.pptx
@@ -15,6 +15,10 @@
     <p:sldId id="263" r:id="rId9"/>
     <p:sldId id="264" r:id="rId10"/>
     <p:sldId id="265" r:id="rId11"/>
+    <p:sldId id="266" r:id="rId12"/>
+    <p:sldId id="267" r:id="rId13"/>
+    <p:sldId id="268" r:id="rId14"/>
+    <p:sldId id="269" r:id="rId15"/>
   </p:sldIdLst>
   <p:sldSz cx="12192000" cy="6858000"/>
   <p:notesSz cx="6858000" cy="9144000"/>
@@ -12482,6 +12486,348 @@
             </a:pPr>
             <a:r>
               <a:rPr/>
+              <a:t>Libraries</a:t>
+            </a:r>
+          </a:p>
+        </p:txBody>
+      </p:sp>
+      <p:sp>
+        <p:nvSpPr>
+          <p:cNvPr id="3" name="Content Placeholder 2"/>
+          <p:cNvSpPr>
+            <a:spLocks noGrp="1"/>
+          </p:cNvSpPr>
+          <p:nvPr>
+            <p:ph idx="1"/>
+          </p:nvPr>
+        </p:nvSpPr>
+        <p:spPr/>
+        <p:txBody>
+          <a:bodyPr/>
+          <a:lstStyle/>
+          <a:p>
+            <a:pPr lvl="0" indent="0" marL="0">
+              <a:buNone/>
+            </a:pPr>
+            <a:r>
+              <a:rPr/>
+              <a:t>Tidygraph Ggraph Tidyverse</a:t>
+            </a:r>
+          </a:p>
+          <a:p>
+            <a:pPr lvl="0" indent="0" marL="0">
+              <a:buNone/>
+            </a:pPr>
+            <a:r>
+              <a:rPr/>
+              <a:t>linking nodes and to the “agents” and “relations” wrangled data sets</a:t>
+            </a:r>
+          </a:p>
+        </p:txBody>
+      </p:sp>
+    </p:spTree>
+  </p:cSld>
+</p:sld>
+</file>
+
+<file path=ppt/slides/slide11.xml><?xml version="1.0" encoding="utf-8"?>
+<p:sld xmlns:a="http://schemas.openxmlformats.org/drawingml/2006/main" xmlns:r="http://schemas.openxmlformats.org/officeDocument/2006/relationships" xmlns:p="http://schemas.openxmlformats.org/presentationml/2006/main">
+  <p:cSld>
+    <p:spTree>
+      <p:nvGrpSpPr>
+        <p:cNvPr id="1" name=""/>
+        <p:cNvGrpSpPr/>
+        <p:nvPr/>
+      </p:nvGrpSpPr>
+      <p:grpSpPr>
+        <a:xfrm>
+          <a:off x="0" y="0"/>
+          <a:ext cx="0" cy="0"/>
+          <a:chOff x="0" y="0"/>
+          <a:chExt cx="0" cy="0"/>
+        </a:xfrm>
+      </p:grpSpPr>
+      <p:sp>
+        <p:nvSpPr>
+          <p:cNvPr id="2" name="Title 1"/>
+          <p:cNvSpPr>
+            <a:spLocks noGrp="1"/>
+          </p:cNvSpPr>
+          <p:nvPr>
+            <p:ph type="title"/>
+          </p:nvPr>
+        </p:nvSpPr>
+        <p:spPr/>
+        <p:txBody>
+          <a:bodyPr/>
+          <a:lstStyle/>
+          <a:p>
+            <a:pPr lvl="0" indent="0" marL="0">
+              <a:buNone/>
+            </a:pPr>
+            <a:r>
+              <a:rPr/>
+              <a:t>Nodes</a:t>
+            </a:r>
+          </a:p>
+        </p:txBody>
+      </p:sp>
+      <p:sp>
+        <p:nvSpPr>
+          <p:cNvPr id="3" name="Content Placeholder 2"/>
+          <p:cNvSpPr>
+            <a:spLocks noGrp="1"/>
+          </p:cNvSpPr>
+          <p:nvPr>
+            <p:ph idx="1"/>
+          </p:nvPr>
+        </p:nvSpPr>
+        <p:spPr/>
+        <p:txBody>
+          <a:bodyPr/>
+          <a:lstStyle/>
+          <a:p>
+            <a:pPr lvl="0" indent="0" marL="0">
+              <a:buNone/>
+            </a:pPr>
+            <a:r>
+              <a:rPr/>
+              <a:t>Estimating the positionality of the nodes in terms of centrality to pinpoint the important nodes</a:t>
+            </a:r>
+          </a:p>
+          <a:p>
+            <a:pPr lvl="0" indent="0" marL="0">
+              <a:buNone/>
+            </a:pPr>
+            <a:r>
+              <a:rPr/>
+              <a:t>tidygraph currently has 11 different centrality measures</a:t>
+            </a:r>
+          </a:p>
+          <a:p>
+            <a:pPr lvl="0" indent="0" marL="0">
+              <a:buNone/>
+            </a:pPr>
+            <a:r>
+              <a:rPr/>
+              <a:t>degree = centrality_degree(), # Degree centrality between = centrality_betweenness(normalized = T), # Betweeness centrality closeness = centrality_closeness(), # Closeness centrality eigen = centrality_eigen() # Eigen centrality</a:t>
+            </a:r>
+          </a:p>
+          <a:p>
+            <a:pPr lvl="0" indent="0" marL="0">
+              <a:buNone/>
+            </a:pPr>
+            <a:r>
+              <a:rPr/>
+              <a:t>pop_username &lt;- as_tibble( network_act_df %&gt;% arrange(-degree) %&gt;% select(username), network_act_df %&gt;% arrange(-between) %&gt;% select(username), network_act_df %&gt;% arrange(-closeness) %&gt;% select(username), network_act_df %&gt;% arrange(-eigen) %&gt;% select(username) ) %&gt;% setNames(c(“Degree”,“Betweenness”,“Closeness”,“Eigen”))</a:t>
+            </a:r>
+          </a:p>
+          <a:p>
+            <a:pPr lvl="0" indent="0" marL="0">
+              <a:buNone/>
+            </a:pPr>
+            <a:r>
+              <a:rPr/>
+              <a:t>pop_username</a:t>
+            </a:r>
+          </a:p>
+        </p:txBody>
+      </p:sp>
+    </p:spTree>
+  </p:cSld>
+</p:sld>
+</file>
+
+<file path=ppt/slides/slide12.xml><?xml version="1.0" encoding="utf-8"?>
+<p:sld xmlns:a="http://schemas.openxmlformats.org/drawingml/2006/main" xmlns:r="http://schemas.openxmlformats.org/officeDocument/2006/relationships" xmlns:p="http://schemas.openxmlformats.org/presentationml/2006/main">
+  <p:cSld>
+    <p:spTree>
+      <p:nvGrpSpPr>
+        <p:cNvPr id="1" name=""/>
+        <p:cNvGrpSpPr/>
+        <p:nvPr/>
+      </p:nvGrpSpPr>
+      <p:grpSpPr>
+        <a:xfrm>
+          <a:off x="0" y="0"/>
+          <a:ext cx="0" cy="0"/>
+          <a:chOff x="0" y="0"/>
+          <a:chExt cx="0" cy="0"/>
+        </a:xfrm>
+      </p:grpSpPr>
+      <p:sp>
+        <p:nvSpPr>
+          <p:cNvPr id="2" name="Title 1"/>
+          <p:cNvSpPr>
+            <a:spLocks noGrp="1"/>
+          </p:cNvSpPr>
+          <p:nvPr>
+            <p:ph type="title"/>
+          </p:nvPr>
+        </p:nvSpPr>
+        <p:spPr/>
+        <p:txBody>
+          <a:bodyPr/>
+          <a:lstStyle/>
+          <a:p>
+            <a:pPr lvl="0" indent="0" marL="0">
+              <a:buNone/>
+            </a:pPr>
+            <a:r>
+              <a:rPr/>
+              <a:t>Clustering</a:t>
+            </a:r>
+          </a:p>
+        </p:txBody>
+      </p:sp>
+      <p:sp>
+        <p:nvSpPr>
+          <p:cNvPr id="3" name="Content Placeholder 2"/>
+          <p:cNvSpPr>
+            <a:spLocks noGrp="1"/>
+          </p:cNvSpPr>
+          <p:nvPr>
+            <p:ph idx="1"/>
+          </p:nvPr>
+        </p:nvSpPr>
+        <p:spPr/>
+        <p:txBody>
+          <a:bodyPr/>
+          <a:lstStyle/>
+          <a:p>
+            <a:pPr lvl="0" indent="0" marL="0">
+              <a:buNone/>
+            </a:pPr>
+            <a:r>
+              <a:rPr/>
+              <a:t>set.seed(123) graph_tweets &lt;- graph_tweets %&gt;% select(-2:-4) |&gt; activate(nodes) %&gt;% mutate(community = group_louvain()) %&gt;% # clustering activate(edges) %&gt;% filter(!edge_is_loop())</a:t>
+            </a:r>
+          </a:p>
+        </p:txBody>
+      </p:sp>
+    </p:spTree>
+  </p:cSld>
+</p:sld>
+</file>
+
+<file path=ppt/slides/slide13.xml><?xml version="1.0" encoding="utf-8"?>
+<p:sld xmlns:a="http://schemas.openxmlformats.org/drawingml/2006/main" xmlns:r="http://schemas.openxmlformats.org/officeDocument/2006/relationships" xmlns:p="http://schemas.openxmlformats.org/presentationml/2006/main">
+  <p:cSld>
+    <p:spTree>
+      <p:nvGrpSpPr>
+        <p:cNvPr id="1" name=""/>
+        <p:cNvGrpSpPr/>
+        <p:nvPr/>
+      </p:nvGrpSpPr>
+      <p:grpSpPr>
+        <a:xfrm>
+          <a:off x="0" y="0"/>
+          <a:ext cx="0" cy="0"/>
+          <a:chOff x="0" y="0"/>
+          <a:chExt cx="0" cy="0"/>
+        </a:xfrm>
+      </p:grpSpPr>
+      <p:sp>
+        <p:nvSpPr>
+          <p:cNvPr id="2" name="Title 1"/>
+          <p:cNvSpPr>
+            <a:spLocks noGrp="1"/>
+          </p:cNvSpPr>
+          <p:nvPr>
+            <p:ph type="title"/>
+          </p:nvPr>
+        </p:nvSpPr>
+        <p:spPr/>
+        <p:txBody>
+          <a:bodyPr/>
+          <a:lstStyle/>
+          <a:p>
+            <a:pPr lvl="0" indent="0" marL="0">
+              <a:buNone/>
+            </a:pPr>
+            <a:r>
+              <a:rPr/>
+              <a:t>Ggraph Plot</a:t>
+            </a:r>
+          </a:p>
+        </p:txBody>
+      </p:sp>
+      <p:sp>
+        <p:nvSpPr>
+          <p:cNvPr id="3" name="Content Placeholder 2"/>
+          <p:cNvSpPr>
+            <a:spLocks noGrp="1"/>
+          </p:cNvSpPr>
+          <p:nvPr>
+            <p:ph idx="1"/>
+          </p:nvPr>
+        </p:nvSpPr>
+        <p:spPr/>
+        <p:txBody>
+          <a:bodyPr/>
+          <a:lstStyle/>
+          <a:p>
+            <a:pPr lvl="0" indent="0" marL="0">
+              <a:buNone/>
+            </a:pPr>
+            <a:r>
+              <a:rPr/>
+              <a:t>set.seed(123)</a:t>
+            </a:r>
+          </a:p>
+          <a:p>
+            <a:pPr lvl="0" indent="0" marL="0">
+              <a:buNone/>
+            </a:pPr>
+            <a:r>
+              <a:rPr/>
+              <a:t>graph_tweets %&gt;% activate(nodes) %&gt;% mutate(ids = row_number(), community = as.character(community)) %&gt;% filter(community %in% 1:7) %&gt;% # number of community. arrange(community,ids) %&gt;% mutate(node_label = ifelse(username %in% important_person, username,NA)) %&gt;% ggraph(layout = “fr”) + geom_edge_link(alpha = 0.3) + geom_node_point(aes(size = degree, fill = community), shape = 21, alpha = 0.7, color = “grey30”) + geom_node_label(aes(label = node_label), repel = T, alpha = 0.8 ) + guides(size = “none”) + labs(title = “Top 3 Community of #SecureTheTribe”, color = “Interaction”, fill = “Community”) + theme_void() + theme(legend.position = “top”)</a:t>
+            </a:r>
+          </a:p>
+        </p:txBody>
+      </p:sp>
+    </p:spTree>
+  </p:cSld>
+</p:sld>
+</file>
+
+<file path=ppt/slides/slide14.xml><?xml version="1.0" encoding="utf-8"?>
+<p:sld xmlns:a="http://schemas.openxmlformats.org/drawingml/2006/main" xmlns:r="http://schemas.openxmlformats.org/officeDocument/2006/relationships" xmlns:p="http://schemas.openxmlformats.org/presentationml/2006/main">
+  <p:cSld>
+    <p:spTree>
+      <p:nvGrpSpPr>
+        <p:cNvPr id="1" name=""/>
+        <p:cNvGrpSpPr/>
+        <p:nvPr/>
+      </p:nvGrpSpPr>
+      <p:grpSpPr>
+        <a:xfrm>
+          <a:off x="0" y="0"/>
+          <a:ext cx="0" cy="0"/>
+          <a:chOff x="0" y="0"/>
+          <a:chExt cx="0" cy="0"/>
+        </a:xfrm>
+      </p:grpSpPr>
+      <p:sp>
+        <p:nvSpPr>
+          <p:cNvPr id="2" name="Title 1"/>
+          <p:cNvSpPr>
+            <a:spLocks noGrp="1"/>
+          </p:cNvSpPr>
+          <p:nvPr>
+            <p:ph type="title"/>
+          </p:nvPr>
+        </p:nvSpPr>
+        <p:spPr/>
+        <p:txBody>
+          <a:bodyPr/>
+          <a:lstStyle/>
+          <a:p>
+            <a:pPr lvl="0" indent="0" marL="0">
+              <a:buNone/>
+            </a:pPr>
+            <a:r>
+              <a:rPr/>
               <a:t>References</a:t>
             </a:r>
           </a:p>
@@ -12760,7 +13106,9 @@
       </p:sp>
       <p:pic>
         <p:nvPicPr>
-          <p:cNvPr descr="images/undirected_unweighted.png" id="0" name="Picture 1"/>
+          <p:cNvPr descr="images/undirected_unweighted.png" id="0" name="Picture 1">
+            <a:hlinkClick r:id="rId3"/>
+          </p:cNvPr>
           <p:cNvPicPr>
             <a:picLocks noGrp="1" noChangeAspect="1"/>
           </p:cNvPicPr>
@@ -12774,7 +13122,7 @@
         </p:blipFill>
         <p:spPr bwMode="auto">
           <a:xfrm>
-            <a:off x="5156200" y="1104900"/>
+            <a:off x="5156200" y="850900"/>
             <a:ext cx="5880100" cy="4152900"/>
           </a:xfrm>
           <a:prstGeom prst="rect">
@@ -12788,6 +13136,36 @@
           </a:ln>
         </p:spPr>
       </p:pic>
+      <p:sp>
+        <p:nvSpPr>
+          <p:cNvPr id="1" name="TextBox 3"/>
+          <p:cNvSpPr txBox="1"/>
+          <p:nvPr/>
+        </p:nvSpPr>
+        <p:spPr>
+          <a:xfrm>
+            <a:off x="5156200" y="5270500"/>
+            <a:ext cx="5880100" cy="508000"/>
+          </a:xfrm>
+          <a:prstGeom prst="rect">
+            <a:avLst/>
+          </a:prstGeom>
+          <a:noFill/>
+        </p:spPr>
+        <p:txBody>
+          <a:bodyPr/>
+          <a:lstStyle/>
+          <a:p>
+            <a:pPr lvl="0" indent="0" marL="0" algn="ctr">
+              <a:buNone/>
+            </a:pPr>
+            <a:r>
+              <a:rPr/>
+              <a:t>https://github.com/holtzy/Google-Scholar-Network</a:t>
+            </a:r>
+          </a:p>
+        </p:txBody>
+      </p:sp>
     </p:spTree>
   </p:cSld>
 </p:sld>
@@ -12812,12 +13190,42 @@
       </p:grpSpPr>
       <p:sp>
         <p:nvSpPr>
-          <p:cNvPr id="3" name="Content Placeholder 2"/>
+          <p:cNvPr id="2" name="Title 1"/>
           <p:cNvSpPr>
             <a:spLocks noGrp="1"/>
           </p:cNvSpPr>
           <p:nvPr>
-            <p:ph idx="1"/>
+            <p:ph type="title"/>
+          </p:nvPr>
+        </p:nvSpPr>
+        <p:spPr>
+          <a:xfrm>
+            <a:off x="1146705" y="609601"/>
+            <a:ext cx="3856037" cy="1639884"/>
+          </a:xfrm>
+        </p:spPr>
+        <p:txBody>
+          <a:bodyPr/>
+          <a:lstStyle/>
+          <a:p>
+            <a:pPr lvl="0" indent="0" marL="0">
+              <a:buNone/>
+            </a:pPr>
+            <a:r>
+              <a:rPr/>
+              <a:t>Graph Theory</a:t>
+            </a:r>
+          </a:p>
+        </p:txBody>
+      </p:sp>
+      <p:sp>
+        <p:nvSpPr>
+          <p:cNvPr id="4" name="Text Placeholder 3"/>
+          <p:cNvSpPr>
+            <a:spLocks noGrp="1"/>
+          </p:cNvSpPr>
+          <p:nvPr>
+            <p:ph idx="2" sz="half" type="body"/>
           </p:nvPr>
         </p:nvSpPr>
         <p:spPr/>
@@ -12830,12 +13238,77 @@
             </a:pPr>
             <a:r>
               <a:rPr/>
-              <a:t> </a:t>
+              <a:t>Undirected But Weighted</a:t>
             </a:r>
+          </a:p>
+          <a:p>
+            <a:pPr lvl="0" indent="0" marL="0">
+              <a:buNone/>
+            </a:pPr>
             <a:r>
-              <a:rPr>
-                <a:hlinkClick r:id="rId2"/>
-              </a:rPr>
+              <a:rPr/>
+              <a:t>Co-authors are connected if they published a scientific paper together. The weight is the number of time it happened.</a:t>
+            </a:r>
+          </a:p>
+        </p:txBody>
+      </p:sp>
+      <p:pic>
+        <p:nvPicPr>
+          <p:cNvPr descr="images/undirected_weighted.png" id="0" name="Picture 1">
+            <a:hlinkClick r:id="rId3"/>
+          </p:cNvPr>
+          <p:cNvPicPr>
+            <a:picLocks noGrp="1" noChangeAspect="1"/>
+          </p:cNvPicPr>
+          <p:nvPr/>
+        </p:nvPicPr>
+        <p:blipFill>
+          <a:blip r:embed="rId2"/>
+          <a:stretch>
+            <a:fillRect/>
+          </a:stretch>
+        </p:blipFill>
+        <p:spPr bwMode="auto">
+          <a:xfrm>
+            <a:off x="5156200" y="889000"/>
+            <a:ext cx="5880100" cy="4076700"/>
+          </a:xfrm>
+          <a:prstGeom prst="rect">
+            <a:avLst/>
+          </a:prstGeom>
+          <a:noFill/>
+          <a:ln w="9525">
+            <a:noFill/>
+            <a:headEnd/>
+            <a:tailEnd/>
+          </a:ln>
+        </p:spPr>
+      </p:pic>
+      <p:sp>
+        <p:nvSpPr>
+          <p:cNvPr id="1" name="TextBox 3"/>
+          <p:cNvSpPr txBox="1"/>
+          <p:nvPr/>
+        </p:nvSpPr>
+        <p:spPr>
+          <a:xfrm>
+            <a:off x="5156200" y="5270500"/>
+            <a:ext cx="5880100" cy="508000"/>
+          </a:xfrm>
+          <a:prstGeom prst="rect">
+            <a:avLst/>
+          </a:prstGeom>
+          <a:noFill/>
+        </p:spPr>
+        <p:txBody>
+          <a:bodyPr/>
+          <a:lstStyle/>
+          <a:p>
+            <a:pPr lvl="0" indent="0" marL="0" algn="ctr">
+              <a:buNone/>
+            </a:pPr>
+            <a:r>
+              <a:rPr/>
               <a:t>https://github.com/holtzy/Google-Scholar-Network</a:t>
             </a:r>
           </a:p>
@@ -12913,7 +13386,7 @@
             </a:pPr>
             <a:r>
               <a:rPr/>
-              <a:t>Undirected But Weighted</a:t>
+              <a:t>Directed But Unweighted</a:t>
             </a:r>
           </a:p>
           <a:p>
@@ -12922,14 +13395,16 @@
             </a:pPr>
             <a:r>
               <a:rPr/>
-              <a:t>Co-authors are connected if they published a scientific paper together. The weight is the number of time it happened.</a:t>
+              <a:t>Tom follows Shirley on twitter, but the opposite is not necessarily true. The connection is unweighted, just connected or not.</a:t>
             </a:r>
           </a:p>
         </p:txBody>
       </p:sp>
       <p:pic>
         <p:nvPicPr>
-          <p:cNvPr descr="images/undirected_weighted.png" id="0" name="Picture 1"/>
+          <p:cNvPr descr="images/directed_unweighted.png" id="0" name="Picture 1">
+            <a:hlinkClick r:id="rId3"/>
+          </p:cNvPr>
           <p:cNvPicPr>
             <a:picLocks noGrp="1" noChangeAspect="1"/>
           </p:cNvPicPr>
@@ -12943,8 +13418,8 @@
         </p:blipFill>
         <p:spPr bwMode="auto">
           <a:xfrm>
-            <a:off x="5156200" y="1143000"/>
-            <a:ext cx="5880100" cy="4076700"/>
+            <a:off x="5156200" y="762000"/>
+            <a:ext cx="5880100" cy="4318000"/>
           </a:xfrm>
           <a:prstGeom prst="rect">
             <a:avLst/>
@@ -12957,6 +13432,36 @@
           </a:ln>
         </p:spPr>
       </p:pic>
+      <p:sp>
+        <p:nvSpPr>
+          <p:cNvPr id="1" name="TextBox 3"/>
+          <p:cNvSpPr txBox="1"/>
+          <p:nvPr/>
+        </p:nvSpPr>
+        <p:spPr>
+          <a:xfrm>
+            <a:off x="5156200" y="5270500"/>
+            <a:ext cx="5880100" cy="508000"/>
+          </a:xfrm>
+          <a:prstGeom prst="rect">
+            <a:avLst/>
+          </a:prstGeom>
+          <a:noFill/>
+        </p:spPr>
+        <p:txBody>
+          <a:bodyPr/>
+          <a:lstStyle/>
+          <a:p>
+            <a:pPr lvl="0" indent="0" marL="0" algn="ctr">
+              <a:buNone/>
+            </a:pPr>
+            <a:r>
+              <a:rPr/>
+              <a:t>https://github.com/holtzy/Google-Scholar-Network</a:t>
+            </a:r>
+          </a:p>
+        </p:txBody>
+      </p:sp>
     </p:spTree>
   </p:cSld>
 </p:sld>
@@ -13029,7 +13534,7 @@
             </a:pPr>
             <a:r>
               <a:rPr/>
-              <a:t>Directed But Unweighted</a:t>
+              <a:t>Directed and Weighted</a:t>
             </a:r>
           </a:p>
           <a:p>
@@ -13038,14 +13543,16 @@
             </a:pPr>
             <a:r>
               <a:rPr/>
-              <a:t>Tom follows Shirley on twitter, but the opposite is not necessarily true. The connection is unweighted, just connected or not.</a:t>
+              <a:t>People migrate from a country to another: the weight is the number of people, the direction is the destination.</a:t>
             </a:r>
           </a:p>
         </p:txBody>
       </p:sp>
       <p:pic>
         <p:nvPicPr>
-          <p:cNvPr descr="images/directed_unweighted.png" id="0" name="Picture 1"/>
+          <p:cNvPr descr="images/directed_weighted.png" id="0" name="Picture 1">
+            <a:hlinkClick r:id="rId3"/>
+          </p:cNvPr>
           <p:cNvPicPr>
             <a:picLocks noGrp="1" noChangeAspect="1"/>
           </p:cNvPicPr>
@@ -13059,8 +13566,8 @@
         </p:blipFill>
         <p:spPr bwMode="auto">
           <a:xfrm>
-            <a:off x="5156200" y="1016000"/>
-            <a:ext cx="5880100" cy="4318000"/>
+            <a:off x="5156200" y="939800"/>
+            <a:ext cx="5880100" cy="3962400"/>
           </a:xfrm>
           <a:prstGeom prst="rect">
             <a:avLst/>
@@ -13073,6 +13580,36 @@
           </a:ln>
         </p:spPr>
       </p:pic>
+      <p:sp>
+        <p:nvSpPr>
+          <p:cNvPr id="1" name="TextBox 3"/>
+          <p:cNvSpPr txBox="1"/>
+          <p:nvPr/>
+        </p:nvSpPr>
+        <p:spPr>
+          <a:xfrm>
+            <a:off x="5156200" y="5270500"/>
+            <a:ext cx="5880100" cy="508000"/>
+          </a:xfrm>
+          <a:prstGeom prst="rect">
+            <a:avLst/>
+          </a:prstGeom>
+          <a:noFill/>
+        </p:spPr>
+        <p:txBody>
+          <a:bodyPr/>
+          <a:lstStyle/>
+          <a:p>
+            <a:pPr lvl="0" indent="0" marL="0" algn="ctr">
+              <a:buNone/>
+            </a:pPr>
+            <a:r>
+              <a:rPr/>
+              <a:t>https://github.com/holtzy/Google-Scholar-Network</a:t>
+            </a:r>
+          </a:p>
+        </p:txBody>
+      </p:sp>
     </p:spTree>
   </p:cSld>
 </p:sld>
@@ -13105,36 +13642,6 @@
             <p:ph type="title"/>
           </p:nvPr>
         </p:nvSpPr>
-        <p:spPr>
-          <a:xfrm>
-            <a:off x="1146705" y="609601"/>
-            <a:ext cx="3856037" cy="1639884"/>
-          </a:xfrm>
-        </p:spPr>
-        <p:txBody>
-          <a:bodyPr/>
-          <a:lstStyle/>
-          <a:p>
-            <a:pPr lvl="0" indent="0" marL="0">
-              <a:buNone/>
-            </a:pPr>
-            <a:r>
-              <a:rPr/>
-              <a:t>Graph Theory</a:t>
-            </a:r>
-          </a:p>
-        </p:txBody>
-      </p:sp>
-      <p:sp>
-        <p:nvSpPr>
-          <p:cNvPr id="4" name="Text Placeholder 3"/>
-          <p:cNvSpPr>
-            <a:spLocks noGrp="1"/>
-          </p:cNvSpPr>
-          <p:nvPr>
-            <p:ph idx="2" sz="half" type="body"/>
-          </p:nvPr>
-        </p:nvSpPr>
         <p:spPr/>
         <p:txBody>
           <a:bodyPr/>
@@ -13145,23 +13652,14 @@
             </a:pPr>
             <a:r>
               <a:rPr/>
-              <a:t>Directed and Weighted</a:t>
-            </a:r>
-          </a:p>
-          <a:p>
-            <a:pPr lvl="0" indent="0" marL="0">
-              <a:buNone/>
-            </a:pPr>
-            <a:r>
-              <a:rPr/>
-              <a:t>People migrate from a country to another: the weight is the number of people, the direction is the destination.</a:t>
+              <a:t>Graph Theory Algorithm</a:t>
             </a:r>
           </a:p>
         </p:txBody>
       </p:sp>
       <p:pic>
         <p:nvPicPr>
-          <p:cNvPr descr="images/directed_weighted.png" id="0" name="Picture 1"/>
+          <p:cNvPr descr="images/research_study_example.png" id="0" name="Picture 1"/>
           <p:cNvPicPr>
             <a:picLocks noGrp="1" noChangeAspect="1"/>
           </p:cNvPicPr>
@@ -13175,8 +13673,8 @@
         </p:blipFill>
         <p:spPr bwMode="auto">
           <a:xfrm>
-            <a:off x="5156200" y="1193800"/>
-            <a:ext cx="5880100" cy="3962400"/>
+            <a:off x="2971800" y="2247900"/>
+            <a:ext cx="6197600" cy="3530600"/>
           </a:xfrm>
           <a:prstGeom prst="rect">
             <a:avLst/>

--- a/presentation.pptx
+++ b/presentation.pptx
@@ -15,10 +15,6 @@
     <p:sldId id="263" r:id="rId9"/>
     <p:sldId id="264" r:id="rId10"/>
     <p:sldId id="265" r:id="rId11"/>
-    <p:sldId id="266" r:id="rId12"/>
-    <p:sldId id="267" r:id="rId13"/>
-    <p:sldId id="268" r:id="rId14"/>
-    <p:sldId id="269" r:id="rId15"/>
   </p:sldIdLst>
   <p:sldSz cx="12192000" cy="6858000"/>
   <p:notesSz cx="6858000" cy="9144000"/>
@@ -12450,348 +12446,6 @@
 </file>
 
 <file path=ppt/slides/slide10.xml><?xml version="1.0" encoding="utf-8"?>
-<p:sld xmlns:a="http://schemas.openxmlformats.org/drawingml/2006/main" xmlns:r="http://schemas.openxmlformats.org/officeDocument/2006/relationships" xmlns:p="http://schemas.openxmlformats.org/presentationml/2006/main">
-  <p:cSld>
-    <p:spTree>
-      <p:nvGrpSpPr>
-        <p:cNvPr id="1" name=""/>
-        <p:cNvGrpSpPr/>
-        <p:nvPr/>
-      </p:nvGrpSpPr>
-      <p:grpSpPr>
-        <a:xfrm>
-          <a:off x="0" y="0"/>
-          <a:ext cx="0" cy="0"/>
-          <a:chOff x="0" y="0"/>
-          <a:chExt cx="0" cy="0"/>
-        </a:xfrm>
-      </p:grpSpPr>
-      <p:sp>
-        <p:nvSpPr>
-          <p:cNvPr id="2" name="Title 1"/>
-          <p:cNvSpPr>
-            <a:spLocks noGrp="1"/>
-          </p:cNvSpPr>
-          <p:nvPr>
-            <p:ph type="title"/>
-          </p:nvPr>
-        </p:nvSpPr>
-        <p:spPr/>
-        <p:txBody>
-          <a:bodyPr/>
-          <a:lstStyle/>
-          <a:p>
-            <a:pPr lvl="0" indent="0" marL="0">
-              <a:buNone/>
-            </a:pPr>
-            <a:r>
-              <a:rPr/>
-              <a:t>Libraries</a:t>
-            </a:r>
-          </a:p>
-        </p:txBody>
-      </p:sp>
-      <p:sp>
-        <p:nvSpPr>
-          <p:cNvPr id="3" name="Content Placeholder 2"/>
-          <p:cNvSpPr>
-            <a:spLocks noGrp="1"/>
-          </p:cNvSpPr>
-          <p:nvPr>
-            <p:ph idx="1"/>
-          </p:nvPr>
-        </p:nvSpPr>
-        <p:spPr/>
-        <p:txBody>
-          <a:bodyPr/>
-          <a:lstStyle/>
-          <a:p>
-            <a:pPr lvl="0" indent="0" marL="0">
-              <a:buNone/>
-            </a:pPr>
-            <a:r>
-              <a:rPr/>
-              <a:t>Tidygraph Ggraph Tidyverse</a:t>
-            </a:r>
-          </a:p>
-          <a:p>
-            <a:pPr lvl="0" indent="0" marL="0">
-              <a:buNone/>
-            </a:pPr>
-            <a:r>
-              <a:rPr/>
-              <a:t>linking nodes and to the “agents” and “relations” wrangled data sets</a:t>
-            </a:r>
-          </a:p>
-        </p:txBody>
-      </p:sp>
-    </p:spTree>
-  </p:cSld>
-</p:sld>
-</file>
-
-<file path=ppt/slides/slide11.xml><?xml version="1.0" encoding="utf-8"?>
-<p:sld xmlns:a="http://schemas.openxmlformats.org/drawingml/2006/main" xmlns:r="http://schemas.openxmlformats.org/officeDocument/2006/relationships" xmlns:p="http://schemas.openxmlformats.org/presentationml/2006/main">
-  <p:cSld>
-    <p:spTree>
-      <p:nvGrpSpPr>
-        <p:cNvPr id="1" name=""/>
-        <p:cNvGrpSpPr/>
-        <p:nvPr/>
-      </p:nvGrpSpPr>
-      <p:grpSpPr>
-        <a:xfrm>
-          <a:off x="0" y="0"/>
-          <a:ext cx="0" cy="0"/>
-          <a:chOff x="0" y="0"/>
-          <a:chExt cx="0" cy="0"/>
-        </a:xfrm>
-      </p:grpSpPr>
-      <p:sp>
-        <p:nvSpPr>
-          <p:cNvPr id="2" name="Title 1"/>
-          <p:cNvSpPr>
-            <a:spLocks noGrp="1"/>
-          </p:cNvSpPr>
-          <p:nvPr>
-            <p:ph type="title"/>
-          </p:nvPr>
-        </p:nvSpPr>
-        <p:spPr/>
-        <p:txBody>
-          <a:bodyPr/>
-          <a:lstStyle/>
-          <a:p>
-            <a:pPr lvl="0" indent="0" marL="0">
-              <a:buNone/>
-            </a:pPr>
-            <a:r>
-              <a:rPr/>
-              <a:t>Nodes</a:t>
-            </a:r>
-          </a:p>
-        </p:txBody>
-      </p:sp>
-      <p:sp>
-        <p:nvSpPr>
-          <p:cNvPr id="3" name="Content Placeholder 2"/>
-          <p:cNvSpPr>
-            <a:spLocks noGrp="1"/>
-          </p:cNvSpPr>
-          <p:nvPr>
-            <p:ph idx="1"/>
-          </p:nvPr>
-        </p:nvSpPr>
-        <p:spPr/>
-        <p:txBody>
-          <a:bodyPr/>
-          <a:lstStyle/>
-          <a:p>
-            <a:pPr lvl="0" indent="0" marL="0">
-              <a:buNone/>
-            </a:pPr>
-            <a:r>
-              <a:rPr/>
-              <a:t>Estimating the positionality of the nodes in terms of centrality to pinpoint the important nodes</a:t>
-            </a:r>
-          </a:p>
-          <a:p>
-            <a:pPr lvl="0" indent="0" marL="0">
-              <a:buNone/>
-            </a:pPr>
-            <a:r>
-              <a:rPr/>
-              <a:t>tidygraph currently has 11 different centrality measures</a:t>
-            </a:r>
-          </a:p>
-          <a:p>
-            <a:pPr lvl="0" indent="0" marL="0">
-              <a:buNone/>
-            </a:pPr>
-            <a:r>
-              <a:rPr/>
-              <a:t>degree = centrality_degree(), # Degree centrality between = centrality_betweenness(normalized = T), # Betweeness centrality closeness = centrality_closeness(), # Closeness centrality eigen = centrality_eigen() # Eigen centrality</a:t>
-            </a:r>
-          </a:p>
-          <a:p>
-            <a:pPr lvl="0" indent="0" marL="0">
-              <a:buNone/>
-            </a:pPr>
-            <a:r>
-              <a:rPr/>
-              <a:t>pop_username &lt;- as_tibble( network_act_df %&gt;% arrange(-degree) %&gt;% select(username), network_act_df %&gt;% arrange(-between) %&gt;% select(username), network_act_df %&gt;% arrange(-closeness) %&gt;% select(username), network_act_df %&gt;% arrange(-eigen) %&gt;% select(username) ) %&gt;% setNames(c(“Degree”,“Betweenness”,“Closeness”,“Eigen”))</a:t>
-            </a:r>
-          </a:p>
-          <a:p>
-            <a:pPr lvl="0" indent="0" marL="0">
-              <a:buNone/>
-            </a:pPr>
-            <a:r>
-              <a:rPr/>
-              <a:t>pop_username</a:t>
-            </a:r>
-          </a:p>
-        </p:txBody>
-      </p:sp>
-    </p:spTree>
-  </p:cSld>
-</p:sld>
-</file>
-
-<file path=ppt/slides/slide12.xml><?xml version="1.0" encoding="utf-8"?>
-<p:sld xmlns:a="http://schemas.openxmlformats.org/drawingml/2006/main" xmlns:r="http://schemas.openxmlformats.org/officeDocument/2006/relationships" xmlns:p="http://schemas.openxmlformats.org/presentationml/2006/main">
-  <p:cSld>
-    <p:spTree>
-      <p:nvGrpSpPr>
-        <p:cNvPr id="1" name=""/>
-        <p:cNvGrpSpPr/>
-        <p:nvPr/>
-      </p:nvGrpSpPr>
-      <p:grpSpPr>
-        <a:xfrm>
-          <a:off x="0" y="0"/>
-          <a:ext cx="0" cy="0"/>
-          <a:chOff x="0" y="0"/>
-          <a:chExt cx="0" cy="0"/>
-        </a:xfrm>
-      </p:grpSpPr>
-      <p:sp>
-        <p:nvSpPr>
-          <p:cNvPr id="2" name="Title 1"/>
-          <p:cNvSpPr>
-            <a:spLocks noGrp="1"/>
-          </p:cNvSpPr>
-          <p:nvPr>
-            <p:ph type="title"/>
-          </p:nvPr>
-        </p:nvSpPr>
-        <p:spPr/>
-        <p:txBody>
-          <a:bodyPr/>
-          <a:lstStyle/>
-          <a:p>
-            <a:pPr lvl="0" indent="0" marL="0">
-              <a:buNone/>
-            </a:pPr>
-            <a:r>
-              <a:rPr/>
-              <a:t>Clustering</a:t>
-            </a:r>
-          </a:p>
-        </p:txBody>
-      </p:sp>
-      <p:sp>
-        <p:nvSpPr>
-          <p:cNvPr id="3" name="Content Placeholder 2"/>
-          <p:cNvSpPr>
-            <a:spLocks noGrp="1"/>
-          </p:cNvSpPr>
-          <p:nvPr>
-            <p:ph idx="1"/>
-          </p:nvPr>
-        </p:nvSpPr>
-        <p:spPr/>
-        <p:txBody>
-          <a:bodyPr/>
-          <a:lstStyle/>
-          <a:p>
-            <a:pPr lvl="0" indent="0" marL="0">
-              <a:buNone/>
-            </a:pPr>
-            <a:r>
-              <a:rPr/>
-              <a:t>set.seed(123) graph_tweets &lt;- graph_tweets %&gt;% select(-2:-4) |&gt; activate(nodes) %&gt;% mutate(community = group_louvain()) %&gt;% # clustering activate(edges) %&gt;% filter(!edge_is_loop())</a:t>
-            </a:r>
-          </a:p>
-        </p:txBody>
-      </p:sp>
-    </p:spTree>
-  </p:cSld>
-</p:sld>
-</file>
-
-<file path=ppt/slides/slide13.xml><?xml version="1.0" encoding="utf-8"?>
-<p:sld xmlns:a="http://schemas.openxmlformats.org/drawingml/2006/main" xmlns:r="http://schemas.openxmlformats.org/officeDocument/2006/relationships" xmlns:p="http://schemas.openxmlformats.org/presentationml/2006/main">
-  <p:cSld>
-    <p:spTree>
-      <p:nvGrpSpPr>
-        <p:cNvPr id="1" name=""/>
-        <p:cNvGrpSpPr/>
-        <p:nvPr/>
-      </p:nvGrpSpPr>
-      <p:grpSpPr>
-        <a:xfrm>
-          <a:off x="0" y="0"/>
-          <a:ext cx="0" cy="0"/>
-          <a:chOff x="0" y="0"/>
-          <a:chExt cx="0" cy="0"/>
-        </a:xfrm>
-      </p:grpSpPr>
-      <p:sp>
-        <p:nvSpPr>
-          <p:cNvPr id="2" name="Title 1"/>
-          <p:cNvSpPr>
-            <a:spLocks noGrp="1"/>
-          </p:cNvSpPr>
-          <p:nvPr>
-            <p:ph type="title"/>
-          </p:nvPr>
-        </p:nvSpPr>
-        <p:spPr/>
-        <p:txBody>
-          <a:bodyPr/>
-          <a:lstStyle/>
-          <a:p>
-            <a:pPr lvl="0" indent="0" marL="0">
-              <a:buNone/>
-            </a:pPr>
-            <a:r>
-              <a:rPr/>
-              <a:t>Ggraph Plot</a:t>
-            </a:r>
-          </a:p>
-        </p:txBody>
-      </p:sp>
-      <p:sp>
-        <p:nvSpPr>
-          <p:cNvPr id="3" name="Content Placeholder 2"/>
-          <p:cNvSpPr>
-            <a:spLocks noGrp="1"/>
-          </p:cNvSpPr>
-          <p:nvPr>
-            <p:ph idx="1"/>
-          </p:nvPr>
-        </p:nvSpPr>
-        <p:spPr/>
-        <p:txBody>
-          <a:bodyPr/>
-          <a:lstStyle/>
-          <a:p>
-            <a:pPr lvl="0" indent="0" marL="0">
-              <a:buNone/>
-            </a:pPr>
-            <a:r>
-              <a:rPr/>
-              <a:t>set.seed(123)</a:t>
-            </a:r>
-          </a:p>
-          <a:p>
-            <a:pPr lvl="0" indent="0" marL="0">
-              <a:buNone/>
-            </a:pPr>
-            <a:r>
-              <a:rPr/>
-              <a:t>graph_tweets %&gt;% activate(nodes) %&gt;% mutate(ids = row_number(), community = as.character(community)) %&gt;% filter(community %in% 1:7) %&gt;% # number of community. arrange(community,ids) %&gt;% mutate(node_label = ifelse(username %in% important_person, username,NA)) %&gt;% ggraph(layout = “fr”) + geom_edge_link(alpha = 0.3) + geom_node_point(aes(size = degree, fill = community), shape = 21, alpha = 0.7, color = “grey30”) + geom_node_label(aes(label = node_label), repel = T, alpha = 0.8 ) + guides(size = “none”) + labs(title = “Top 3 Community of #SecureTheTribe”, color = “Interaction”, fill = “Community”) + theme_void() + theme(legend.position = “top”)</a:t>
-            </a:r>
-          </a:p>
-        </p:txBody>
-      </p:sp>
-    </p:spTree>
-  </p:cSld>
-</p:sld>
-</file>
-
-<file path=ppt/slides/slide14.xml><?xml version="1.0" encoding="utf-8"?>
 <p:sld xmlns:a="http://schemas.openxmlformats.org/drawingml/2006/main" xmlns:r="http://schemas.openxmlformats.org/officeDocument/2006/relationships" xmlns:p="http://schemas.openxmlformats.org/presentationml/2006/main">
   <p:cSld>
     <p:spTree>

--- a/presentation.pptx
+++ b/presentation.pptx
@@ -1,6 +1,6 @@
 
 <file path=ppt/presentation.xml><?xml version="1.0" encoding="utf-8"?>
-<p:presentation xmlns:a="http://schemas.openxmlformats.org/drawingml/2006/main" xmlns:p="http://schemas.openxmlformats.org/presentationml/2006/main" xmlns:r="http://schemas.openxmlformats.org/officeDocument/2006/relationships" autoCompressPictures="0">
+<p:presentation xmlns:a="http://schemas.openxmlformats.org/drawingml/2006/main" xmlns:r="http://schemas.openxmlformats.org/officeDocument/2006/relationships" xmlns:p="http://schemas.openxmlformats.org/presentationml/2006/main" autoCompressPictures="0">
   <p:sldMasterIdLst>
     <p:sldMasterId id="2147483648" r:id="rId1"/>
   </p:sldMasterIdLst>
@@ -22,8 +22,8 @@
     <a:defPPr>
       <a:defRPr lang="en-US"/>
     </a:defPPr>
-    <a:lvl1pPr algn="l" defTabSz="457200" eaLnBrk="1" hangingPunct="1" latinLnBrk="0" marL="0" rtl="0">
-      <a:defRPr kern="1200" sz="1800">
+    <a:lvl1pPr marL="0" algn="l" defTabSz="457200" rtl="0" eaLnBrk="1" latinLnBrk="0" hangingPunct="1">
+      <a:defRPr sz="1800" kern="1200">
         <a:solidFill>
           <a:schemeClr val="tx1"/>
         </a:solidFill>
@@ -32,8 +32,8 @@
         <a:cs typeface="+mn-cs"/>
       </a:defRPr>
     </a:lvl1pPr>
-    <a:lvl2pPr algn="l" defTabSz="457200" eaLnBrk="1" hangingPunct="1" latinLnBrk="0" marL="457200" rtl="0">
-      <a:defRPr kern="1200" sz="1800">
+    <a:lvl2pPr marL="457200" algn="l" defTabSz="457200" rtl="0" eaLnBrk="1" latinLnBrk="0" hangingPunct="1">
+      <a:defRPr sz="1800" kern="1200">
         <a:solidFill>
           <a:schemeClr val="tx1"/>
         </a:solidFill>
@@ -42,8 +42,8 @@
         <a:cs typeface="+mn-cs"/>
       </a:defRPr>
     </a:lvl2pPr>
-    <a:lvl3pPr algn="l" defTabSz="457200" eaLnBrk="1" hangingPunct="1" latinLnBrk="0" marL="914400" rtl="0">
-      <a:defRPr kern="1200" sz="1800">
+    <a:lvl3pPr marL="914400" algn="l" defTabSz="457200" rtl="0" eaLnBrk="1" latinLnBrk="0" hangingPunct="1">
+      <a:defRPr sz="1800" kern="1200">
         <a:solidFill>
           <a:schemeClr val="tx1"/>
         </a:solidFill>
@@ -52,8 +52,8 @@
         <a:cs typeface="+mn-cs"/>
       </a:defRPr>
     </a:lvl3pPr>
-    <a:lvl4pPr algn="l" defTabSz="457200" eaLnBrk="1" hangingPunct="1" latinLnBrk="0" marL="1371600" rtl="0">
-      <a:defRPr kern="1200" sz="1800">
+    <a:lvl4pPr marL="1371600" algn="l" defTabSz="457200" rtl="0" eaLnBrk="1" latinLnBrk="0" hangingPunct="1">
+      <a:defRPr sz="1800" kern="1200">
         <a:solidFill>
           <a:schemeClr val="tx1"/>
         </a:solidFill>
@@ -62,8 +62,8 @@
         <a:cs typeface="+mn-cs"/>
       </a:defRPr>
     </a:lvl4pPr>
-    <a:lvl5pPr algn="l" defTabSz="457200" eaLnBrk="1" hangingPunct="1" latinLnBrk="0" marL="1828800" rtl="0">
-      <a:defRPr kern="1200" sz="1800">
+    <a:lvl5pPr marL="1828800" algn="l" defTabSz="457200" rtl="0" eaLnBrk="1" latinLnBrk="0" hangingPunct="1">
+      <a:defRPr sz="1800" kern="1200">
         <a:solidFill>
           <a:schemeClr val="tx1"/>
         </a:solidFill>
@@ -72,8 +72,8 @@
         <a:cs typeface="+mn-cs"/>
       </a:defRPr>
     </a:lvl5pPr>
-    <a:lvl6pPr algn="l" defTabSz="457200" eaLnBrk="1" hangingPunct="1" latinLnBrk="0" marL="2286000" rtl="0">
-      <a:defRPr kern="1200" sz="1800">
+    <a:lvl6pPr marL="2286000" algn="l" defTabSz="457200" rtl="0" eaLnBrk="1" latinLnBrk="0" hangingPunct="1">
+      <a:defRPr sz="1800" kern="1200">
         <a:solidFill>
           <a:schemeClr val="tx1"/>
         </a:solidFill>
@@ -82,8 +82,8 @@
         <a:cs typeface="+mn-cs"/>
       </a:defRPr>
     </a:lvl6pPr>
-    <a:lvl7pPr algn="l" defTabSz="457200" eaLnBrk="1" hangingPunct="1" latinLnBrk="0" marL="2743200" rtl="0">
-      <a:defRPr kern="1200" sz="1800">
+    <a:lvl7pPr marL="2743200" algn="l" defTabSz="457200" rtl="0" eaLnBrk="1" latinLnBrk="0" hangingPunct="1">
+      <a:defRPr sz="1800" kern="1200">
         <a:solidFill>
           <a:schemeClr val="tx1"/>
         </a:solidFill>
@@ -92,8 +92,8 @@
         <a:cs typeface="+mn-cs"/>
       </a:defRPr>
     </a:lvl7pPr>
-    <a:lvl8pPr algn="l" defTabSz="457200" eaLnBrk="1" hangingPunct="1" latinLnBrk="0" marL="3200400" rtl="0">
-      <a:defRPr kern="1200" sz="1800">
+    <a:lvl8pPr marL="3200400" algn="l" defTabSz="457200" rtl="0" eaLnBrk="1" latinLnBrk="0" hangingPunct="1">
+      <a:defRPr sz="1800" kern="1200">
         <a:solidFill>
           <a:schemeClr val="tx1"/>
         </a:solidFill>
@@ -102,8 +102,8 @@
         <a:cs typeface="+mn-cs"/>
       </a:defRPr>
     </a:lvl8pPr>
-    <a:lvl9pPr algn="l" defTabSz="457200" eaLnBrk="1" hangingPunct="1" latinLnBrk="0" marL="3657600" rtl="0">
-      <a:defRPr kern="1200" sz="1800">
+    <a:lvl9pPr marL="3657600" algn="l" defTabSz="457200" rtl="0" eaLnBrk="1" latinLnBrk="0" hangingPunct="1">
+      <a:defRPr sz="1800" kern="1200">
         <a:solidFill>
           <a:schemeClr val="tx1"/>
         </a:solidFill>
@@ -113,6 +113,11 @@
       </a:defRPr>
     </a:lvl9pPr>
   </p:defaultTextStyle>
+  <p:extLst>
+    <p:ext uri="{EFAFB233-063F-42B5-8137-9DF3F51BA10A}">
+      <p15:sldGuideLst xmlns:p15="http://schemas.microsoft.com/office/powerpoint/2012/main"/>
+    </p:ext>
+  </p:extLst>
 </p:presentation>
 </file>
 
@@ -173,7 +178,7 @@
           <a:noFill/>
           <a:extLst>
             <a:ext uri="{909E8E84-426E-40dd-AFC4-6F175D3DCCD1}">
-              <a14:hiddenFill xmlns:a14="http://schemas.microsoft.com/office/drawing/2010/main" xmlns="">
+              <a14:hiddenFill xmlns="" xmlns:a14="http://schemas.microsoft.com/office/drawing/2010/main">
                 <a:solidFill>
                   <a:srgbClr val="FFFFFF"/>
                 </a:solidFill>
@@ -232,7 +237,7 @@
             </a:ln>
             <a:extLst>
               <a:ext uri="{91240B29-F687-4f45-9708-019B960494DF}">
-                <a14:hiddenLine xmlns:a14="http://schemas.microsoft.com/office/drawing/2010/main" xmlns="" w="9525">
+                <a14:hiddenLine xmlns="" xmlns:a14="http://schemas.microsoft.com/office/drawing/2010/main" w="9525">
                   <a:solidFill>
                     <a:srgbClr val="000000"/>
                   </a:solidFill>
@@ -322,7 +327,7 @@
             </a:ln>
             <a:extLst>
               <a:ext uri="{91240B29-F687-4f45-9708-019B960494DF}">
-                <a14:hiddenLine xmlns:a14="http://schemas.microsoft.com/office/drawing/2010/main" xmlns="" w="9525">
+                <a14:hiddenLine xmlns="" xmlns:a14="http://schemas.microsoft.com/office/drawing/2010/main" w="9525">
                   <a:solidFill>
                     <a:srgbClr val="000000"/>
                   </a:solidFill>
@@ -412,7 +417,7 @@
             </a:ln>
             <a:extLst>
               <a:ext uri="{91240B29-F687-4f45-9708-019B960494DF}">
-                <a14:hiddenLine xmlns:a14="http://schemas.microsoft.com/office/drawing/2010/main" xmlns="" w="9525">
+                <a14:hiddenLine xmlns="" xmlns:a14="http://schemas.microsoft.com/office/drawing/2010/main" w="9525">
                   <a:solidFill>
                     <a:srgbClr val="000000"/>
                   </a:solidFill>
@@ -446,7 +451,7 @@
             </a:ln>
             <a:extLst>
               <a:ext uri="{91240B29-F687-4f45-9708-019B960494DF}">
-                <a14:hiddenLine xmlns:a14="http://schemas.microsoft.com/office/drawing/2010/main" xmlns="" w="9525">
+                <a14:hiddenLine xmlns="" xmlns:a14="http://schemas.microsoft.com/office/drawing/2010/main" w="9525">
                   <a:solidFill>
                     <a:srgbClr val="000000"/>
                   </a:solidFill>
@@ -536,7 +541,7 @@
             </a:ln>
             <a:extLst>
               <a:ext uri="{91240B29-F687-4f45-9708-019B960494DF}">
-                <a14:hiddenLine xmlns:a14="http://schemas.microsoft.com/office/drawing/2010/main" xmlns="" w="9525">
+                <a14:hiddenLine xmlns="" xmlns:a14="http://schemas.microsoft.com/office/drawing/2010/main" w="9525">
                   <a:solidFill>
                     <a:srgbClr val="000000"/>
                   </a:solidFill>
@@ -598,7 +603,7 @@
             </a:ln>
             <a:extLst>
               <a:ext uri="{91240B29-F687-4f45-9708-019B960494DF}">
-                <a14:hiddenLine xmlns:a14="http://schemas.microsoft.com/office/drawing/2010/main" xmlns="" w="9525">
+                <a14:hiddenLine xmlns="" xmlns:a14="http://schemas.microsoft.com/office/drawing/2010/main" w="9525">
                   <a:solidFill>
                     <a:srgbClr val="000000"/>
                   </a:solidFill>
@@ -660,7 +665,7 @@
             </a:ln>
             <a:extLst>
               <a:ext uri="{91240B29-F687-4f45-9708-019B960494DF}">
-                <a14:hiddenLine xmlns:a14="http://schemas.microsoft.com/office/drawing/2010/main" xmlns="" w="9525">
+                <a14:hiddenLine xmlns="" xmlns:a14="http://schemas.microsoft.com/office/drawing/2010/main" w="9525">
                   <a:solidFill>
                     <a:srgbClr val="000000"/>
                   </a:solidFill>
@@ -750,7 +755,7 @@
             </a:ln>
             <a:extLst>
               <a:ext uri="{91240B29-F687-4f45-9708-019B960494DF}">
-                <a14:hiddenLine xmlns:a14="http://schemas.microsoft.com/office/drawing/2010/main" xmlns="" w="9525">
+                <a14:hiddenLine xmlns="" xmlns:a14="http://schemas.microsoft.com/office/drawing/2010/main" w="9525">
                   <a:solidFill>
                     <a:srgbClr val="000000"/>
                   </a:solidFill>
@@ -812,7 +817,7 @@
             </a:ln>
             <a:extLst>
               <a:ext uri="{91240B29-F687-4f45-9708-019B960494DF}">
-                <a14:hiddenLine xmlns:a14="http://schemas.microsoft.com/office/drawing/2010/main" xmlns="" w="9525">
+                <a14:hiddenLine xmlns="" xmlns:a14="http://schemas.microsoft.com/office/drawing/2010/main" w="9525">
                   <a:solidFill>
                     <a:srgbClr val="000000"/>
                   </a:solidFill>
@@ -874,7 +879,7 @@
             </a:ln>
             <a:extLst>
               <a:ext uri="{91240B29-F687-4f45-9708-019B960494DF}">
-                <a14:hiddenLine xmlns:a14="http://schemas.microsoft.com/office/drawing/2010/main" xmlns="" w="9525">
+                <a14:hiddenLine xmlns="" xmlns:a14="http://schemas.microsoft.com/office/drawing/2010/main" w="9525">
                   <a:solidFill>
                     <a:srgbClr val="000000"/>
                   </a:solidFill>
@@ -964,7 +969,7 @@
             </a:ln>
             <a:extLst>
               <a:ext uri="{91240B29-F687-4f45-9708-019B960494DF}">
-                <a14:hiddenLine xmlns:a14="http://schemas.microsoft.com/office/drawing/2010/main" xmlns="" w="9525">
+                <a14:hiddenLine xmlns="" xmlns:a14="http://schemas.microsoft.com/office/drawing/2010/main" w="9525">
                   <a:solidFill>
                     <a:srgbClr val="000000"/>
                   </a:solidFill>
@@ -1054,7 +1059,7 @@
             </a:ln>
             <a:extLst>
               <a:ext uri="{91240B29-F687-4f45-9708-019B960494DF}">
-                <a14:hiddenLine xmlns:a14="http://schemas.microsoft.com/office/drawing/2010/main" xmlns="" w="9525">
+                <a14:hiddenLine xmlns="" xmlns:a14="http://schemas.microsoft.com/office/drawing/2010/main" w="9525">
                   <a:solidFill>
                     <a:srgbClr val="000000"/>
                   </a:solidFill>
@@ -1116,7 +1121,7 @@
             </a:ln>
             <a:extLst>
               <a:ext uri="{91240B29-F687-4f45-9708-019B960494DF}">
-                <a14:hiddenLine xmlns:a14="http://schemas.microsoft.com/office/drawing/2010/main" xmlns="" w="9525">
+                <a14:hiddenLine xmlns="" xmlns:a14="http://schemas.microsoft.com/office/drawing/2010/main" w="9525">
                   <a:solidFill>
                     <a:srgbClr val="000000"/>
                   </a:solidFill>
@@ -1226,7 +1231,7 @@
             </a:ln>
             <a:extLst>
               <a:ext uri="{91240B29-F687-4f45-9708-019B960494DF}">
-                <a14:hiddenLine xmlns:a14="http://schemas.microsoft.com/office/drawing/2010/main" xmlns="" w="9525">
+                <a14:hiddenLine xmlns="" xmlns:a14="http://schemas.microsoft.com/office/drawing/2010/main" w="9525">
                   <a:solidFill>
                     <a:srgbClr val="000000"/>
                   </a:solidFill>
@@ -1288,7 +1293,7 @@
             </a:ln>
             <a:extLst>
               <a:ext uri="{91240B29-F687-4f45-9708-019B960494DF}">
-                <a14:hiddenLine xmlns:a14="http://schemas.microsoft.com/office/drawing/2010/main" xmlns="" w="9525">
+                <a14:hiddenLine xmlns="" xmlns:a14="http://schemas.microsoft.com/office/drawing/2010/main" w="9525">
                   <a:solidFill>
                     <a:srgbClr val="000000"/>
                   </a:solidFill>
@@ -1378,7 +1383,7 @@
             </a:ln>
             <a:extLst>
               <a:ext uri="{91240B29-F687-4f45-9708-019B960494DF}">
-                <a14:hiddenLine xmlns:a14="http://schemas.microsoft.com/office/drawing/2010/main" xmlns="" w="9525">
+                <a14:hiddenLine xmlns="" xmlns:a14="http://schemas.microsoft.com/office/drawing/2010/main" w="9525">
                   <a:solidFill>
                     <a:srgbClr val="000000"/>
                   </a:solidFill>
@@ -1468,7 +1473,7 @@
             </a:ln>
             <a:extLst>
               <a:ext uri="{91240B29-F687-4f45-9708-019B960494DF}">
-                <a14:hiddenLine xmlns:a14="http://schemas.microsoft.com/office/drawing/2010/main" xmlns="" w="9525">
+                <a14:hiddenLine xmlns="" xmlns:a14="http://schemas.microsoft.com/office/drawing/2010/main" w="9525">
                   <a:solidFill>
                     <a:srgbClr val="000000"/>
                   </a:solidFill>
@@ -1530,7 +1535,7 @@
             </a:ln>
             <a:extLst>
               <a:ext uri="{91240B29-F687-4f45-9708-019B960494DF}">
-                <a14:hiddenLine xmlns:a14="http://schemas.microsoft.com/office/drawing/2010/main" xmlns="" w="9525">
+                <a14:hiddenLine xmlns="" xmlns:a14="http://schemas.microsoft.com/office/drawing/2010/main" w="9525">
                   <a:solidFill>
                     <a:srgbClr val="000000"/>
                   </a:solidFill>
@@ -1620,7 +1625,7 @@
             </a:ln>
             <a:extLst>
               <a:ext uri="{91240B29-F687-4f45-9708-019B960494DF}">
-                <a14:hiddenLine xmlns:a14="http://schemas.microsoft.com/office/drawing/2010/main" xmlns="" w="9525">
+                <a14:hiddenLine xmlns="" xmlns:a14="http://schemas.microsoft.com/office/drawing/2010/main" w="9525">
                   <a:solidFill>
                     <a:srgbClr val="000000"/>
                   </a:solidFill>
@@ -1710,7 +1715,7 @@
             </a:ln>
             <a:extLst>
               <a:ext uri="{91240B29-F687-4f45-9708-019B960494DF}">
-                <a14:hiddenLine xmlns:a14="http://schemas.microsoft.com/office/drawing/2010/main" xmlns="" w="9525">
+                <a14:hiddenLine xmlns="" xmlns:a14="http://schemas.microsoft.com/office/drawing/2010/main" w="9525">
                   <a:solidFill>
                     <a:srgbClr val="000000"/>
                   </a:solidFill>
@@ -1766,7 +1771,7 @@
             </a:ln>
             <a:extLst>
               <a:ext uri="{91240B29-F687-4f45-9708-019B960494DF}">
-                <a14:hiddenLine xmlns:a14="http://schemas.microsoft.com/office/drawing/2010/main" xmlns="" w="9525">
+                <a14:hiddenLine xmlns="" xmlns:a14="http://schemas.microsoft.com/office/drawing/2010/main" w="9525">
                   <a:solidFill>
                     <a:srgbClr val="000000"/>
                   </a:solidFill>
@@ -1856,7 +1861,7 @@
             </a:ln>
             <a:extLst>
               <a:ext uri="{91240B29-F687-4f45-9708-019B960494DF}">
-                <a14:hiddenLine xmlns:a14="http://schemas.microsoft.com/office/drawing/2010/main" xmlns="" w="9525">
+                <a14:hiddenLine xmlns="" xmlns:a14="http://schemas.microsoft.com/office/drawing/2010/main" w="9525">
                   <a:solidFill>
                     <a:srgbClr val="000000"/>
                   </a:solidFill>
@@ -1912,7 +1917,7 @@
             </a:ln>
             <a:extLst>
               <a:ext uri="{91240B29-F687-4f45-9708-019B960494DF}">
-                <a14:hiddenLine xmlns:a14="http://schemas.microsoft.com/office/drawing/2010/main" xmlns="" w="9525">
+                <a14:hiddenLine xmlns="" xmlns:a14="http://schemas.microsoft.com/office/drawing/2010/main" w="9525">
                   <a:solidFill>
                     <a:srgbClr val="000000"/>
                   </a:solidFill>
@@ -2002,7 +2007,7 @@
             </a:ln>
             <a:extLst>
               <a:ext uri="{91240B29-F687-4f45-9708-019B960494DF}">
-                <a14:hiddenLine xmlns:a14="http://schemas.microsoft.com/office/drawing/2010/main" xmlns="" w="9525">
+                <a14:hiddenLine xmlns="" xmlns:a14="http://schemas.microsoft.com/office/drawing/2010/main" w="9525">
                   <a:solidFill>
                     <a:srgbClr val="000000"/>
                   </a:solidFill>
@@ -2070,7 +2075,7 @@
             </a:ln>
             <a:extLst>
               <a:ext uri="{91240B29-F687-4f45-9708-019B960494DF}">
-                <a14:hiddenLine xmlns:a14="http://schemas.microsoft.com/office/drawing/2010/main" xmlns="" w="9525">
+                <a14:hiddenLine xmlns="" xmlns:a14="http://schemas.microsoft.com/office/drawing/2010/main" w="9525">
                   <a:solidFill>
                     <a:srgbClr val="000000"/>
                   </a:solidFill>
@@ -2160,7 +2165,7 @@
             </a:ln>
             <a:extLst>
               <a:ext uri="{91240B29-F687-4f45-9708-019B960494DF}">
-                <a14:hiddenLine xmlns:a14="http://schemas.microsoft.com/office/drawing/2010/main" xmlns="" w="9525">
+                <a14:hiddenLine xmlns="" xmlns:a14="http://schemas.microsoft.com/office/drawing/2010/main" w="9525">
                   <a:solidFill>
                     <a:srgbClr val="000000"/>
                   </a:solidFill>
@@ -2228,7 +2233,7 @@
             </a:ln>
             <a:extLst>
               <a:ext uri="{91240B29-F687-4f45-9708-019B960494DF}">
-                <a14:hiddenLine xmlns:a14="http://schemas.microsoft.com/office/drawing/2010/main" xmlns="" w="9525">
+                <a14:hiddenLine xmlns="" xmlns:a14="http://schemas.microsoft.com/office/drawing/2010/main" w="9525">
                   <a:solidFill>
                     <a:srgbClr val="000000"/>
                   </a:solidFill>
@@ -2318,7 +2323,7 @@
             </a:ln>
             <a:extLst>
               <a:ext uri="{91240B29-F687-4f45-9708-019B960494DF}">
-                <a14:hiddenLine xmlns:a14="http://schemas.microsoft.com/office/drawing/2010/main" xmlns="" w="9525">
+                <a14:hiddenLine xmlns="" xmlns:a14="http://schemas.microsoft.com/office/drawing/2010/main" w="9525">
                   <a:solidFill>
                     <a:srgbClr val="000000"/>
                   </a:solidFill>
@@ -2352,7 +2357,7 @@
             </a:ln>
             <a:extLst>
               <a:ext uri="{91240B29-F687-4f45-9708-019B960494DF}">
-                <a14:hiddenLine xmlns:a14="http://schemas.microsoft.com/office/drawing/2010/main" xmlns="" w="9525">
+                <a14:hiddenLine xmlns="" xmlns:a14="http://schemas.microsoft.com/office/drawing/2010/main" w="9525">
                   <a:solidFill>
                     <a:srgbClr val="000000"/>
                   </a:solidFill>
@@ -2442,7 +2447,7 @@
             </a:ln>
             <a:extLst>
               <a:ext uri="{91240B29-F687-4f45-9708-019B960494DF}">
-                <a14:hiddenLine xmlns:a14="http://schemas.microsoft.com/office/drawing/2010/main" xmlns="" w="9525">
+                <a14:hiddenLine xmlns="" xmlns:a14="http://schemas.microsoft.com/office/drawing/2010/main" w="9525">
                   <a:solidFill>
                     <a:srgbClr val="000000"/>
                   </a:solidFill>
@@ -2504,7 +2509,7 @@
             </a:ln>
             <a:extLst>
               <a:ext uri="{91240B29-F687-4f45-9708-019B960494DF}">
-                <a14:hiddenLine xmlns:a14="http://schemas.microsoft.com/office/drawing/2010/main" xmlns="" w="9525">
+                <a14:hiddenLine xmlns="" xmlns:a14="http://schemas.microsoft.com/office/drawing/2010/main" w="9525">
                   <a:solidFill>
                     <a:srgbClr val="000000"/>
                   </a:solidFill>
@@ -2566,7 +2571,7 @@
             </a:ln>
             <a:extLst>
               <a:ext uri="{91240B29-F687-4f45-9708-019B960494DF}">
-                <a14:hiddenLine xmlns:a14="http://schemas.microsoft.com/office/drawing/2010/main" xmlns="" w="9525">
+                <a14:hiddenLine xmlns="" xmlns:a14="http://schemas.microsoft.com/office/drawing/2010/main" w="9525">
                   <a:solidFill>
                     <a:srgbClr val="000000"/>
                   </a:solidFill>
@@ -2656,7 +2661,7 @@
             </a:ln>
             <a:extLst>
               <a:ext uri="{91240B29-F687-4f45-9708-019B960494DF}">
-                <a14:hiddenLine xmlns:a14="http://schemas.microsoft.com/office/drawing/2010/main" xmlns="" w="9525">
+                <a14:hiddenLine xmlns="" xmlns:a14="http://schemas.microsoft.com/office/drawing/2010/main" w="9525">
                   <a:solidFill>
                     <a:srgbClr val="000000"/>
                   </a:solidFill>
@@ -2724,7 +2729,7 @@
             </a:ln>
             <a:extLst>
               <a:ext uri="{91240B29-F687-4f45-9708-019B960494DF}">
-                <a14:hiddenLine xmlns:a14="http://schemas.microsoft.com/office/drawing/2010/main" xmlns="" w="9525">
+                <a14:hiddenLine xmlns="" xmlns:a14="http://schemas.microsoft.com/office/drawing/2010/main" w="9525">
                   <a:solidFill>
                     <a:srgbClr val="000000"/>
                   </a:solidFill>
@@ -2786,7 +2791,7 @@
             </a:ln>
             <a:extLst>
               <a:ext uri="{91240B29-F687-4f45-9708-019B960494DF}">
-                <a14:hiddenLine xmlns:a14="http://schemas.microsoft.com/office/drawing/2010/main" xmlns="" w="9525">
+                <a14:hiddenLine xmlns="" xmlns:a14="http://schemas.microsoft.com/office/drawing/2010/main" w="9525">
                   <a:solidFill>
                     <a:srgbClr val="000000"/>
                   </a:solidFill>
@@ -2876,7 +2881,7 @@
             </a:ln>
             <a:extLst>
               <a:ext uri="{91240B29-F687-4f45-9708-019B960494DF}">
-                <a14:hiddenLine xmlns:a14="http://schemas.microsoft.com/office/drawing/2010/main" xmlns="" w="9525">
+                <a14:hiddenLine xmlns="" xmlns:a14="http://schemas.microsoft.com/office/drawing/2010/main" w="9525">
                   <a:solidFill>
                     <a:srgbClr val="000000"/>
                   </a:solidFill>
@@ -2938,7 +2943,7 @@
             </a:ln>
             <a:extLst>
               <a:ext uri="{91240B29-F687-4f45-9708-019B960494DF}">
-                <a14:hiddenLine xmlns:a14="http://schemas.microsoft.com/office/drawing/2010/main" xmlns="" w="9525">
+                <a14:hiddenLine xmlns="" xmlns:a14="http://schemas.microsoft.com/office/drawing/2010/main" w="9525">
                   <a:solidFill>
                     <a:srgbClr val="000000"/>
                   </a:solidFill>
@@ -3028,7 +3033,7 @@
             </a:ln>
             <a:extLst>
               <a:ext uri="{91240B29-F687-4f45-9708-019B960494DF}">
-                <a14:hiddenLine xmlns:a14="http://schemas.microsoft.com/office/drawing/2010/main" xmlns="" w="9525">
+                <a14:hiddenLine xmlns="" xmlns:a14="http://schemas.microsoft.com/office/drawing/2010/main" w="9525">
                   <a:solidFill>
                     <a:srgbClr val="000000"/>
                   </a:solidFill>
@@ -3090,7 +3095,7 @@
             </a:ln>
             <a:extLst>
               <a:ext uri="{91240B29-F687-4f45-9708-019B960494DF}">
-                <a14:hiddenLine xmlns:a14="http://schemas.microsoft.com/office/drawing/2010/main" xmlns="" w="9525">
+                <a14:hiddenLine xmlns="" xmlns:a14="http://schemas.microsoft.com/office/drawing/2010/main" w="9525">
                   <a:solidFill>
                     <a:srgbClr val="000000"/>
                   </a:solidFill>
@@ -3180,7 +3185,7 @@
             </a:ln>
             <a:extLst>
               <a:ext uri="{91240B29-F687-4f45-9708-019B960494DF}">
-                <a14:hiddenLine xmlns:a14="http://schemas.microsoft.com/office/drawing/2010/main" xmlns="" w="9525">
+                <a14:hiddenLine xmlns="" xmlns:a14="http://schemas.microsoft.com/office/drawing/2010/main" w="9525">
                   <a:solidFill>
                     <a:srgbClr val="000000"/>
                   </a:solidFill>
@@ -3214,7 +3219,7 @@
             </a:ln>
             <a:extLst>
               <a:ext uri="{91240B29-F687-4f45-9708-019B960494DF}">
-                <a14:hiddenLine xmlns:a14="http://schemas.microsoft.com/office/drawing/2010/main" xmlns="" w="9525">
+                <a14:hiddenLine xmlns="" xmlns:a14="http://schemas.microsoft.com/office/drawing/2010/main" w="9525">
                   <a:solidFill>
                     <a:srgbClr val="000000"/>
                   </a:solidFill>
@@ -3279,7 +3284,7 @@
             </a:ln>
             <a:extLst>
               <a:ext uri="{91240B29-F687-4f45-9708-019B960494DF}">
-                <a14:hiddenLine xmlns:a14="http://schemas.microsoft.com/office/drawing/2010/main" xmlns="" w="9525">
+                <a14:hiddenLine xmlns="" xmlns:a14="http://schemas.microsoft.com/office/drawing/2010/main" w="9525">
                   <a:solidFill>
                     <a:srgbClr val="000000"/>
                   </a:solidFill>
@@ -3369,7 +3374,7 @@
             </a:ln>
             <a:extLst>
               <a:ext uri="{91240B29-F687-4f45-9708-019B960494DF}">
-                <a14:hiddenLine xmlns:a14="http://schemas.microsoft.com/office/drawing/2010/main" xmlns="" w="9525">
+                <a14:hiddenLine xmlns="" xmlns:a14="http://schemas.microsoft.com/office/drawing/2010/main" w="9525">
                   <a:solidFill>
                     <a:srgbClr val="000000"/>
                   </a:solidFill>
@@ -3431,7 +3436,7 @@
             </a:ln>
             <a:extLst>
               <a:ext uri="{91240B29-F687-4f45-9708-019B960494DF}">
-                <a14:hiddenLine xmlns:a14="http://schemas.microsoft.com/office/drawing/2010/main" xmlns="" w="9525">
+                <a14:hiddenLine xmlns="" xmlns:a14="http://schemas.microsoft.com/office/drawing/2010/main" w="9525">
                   <a:solidFill>
                     <a:srgbClr val="000000"/>
                   </a:solidFill>
@@ -3521,7 +3526,7 @@
             </a:ln>
             <a:extLst>
               <a:ext uri="{91240B29-F687-4f45-9708-019B960494DF}">
-                <a14:hiddenLine xmlns:a14="http://schemas.microsoft.com/office/drawing/2010/main" xmlns="" w="9525">
+                <a14:hiddenLine xmlns="" xmlns:a14="http://schemas.microsoft.com/office/drawing/2010/main" w="9525">
                   <a:solidFill>
                     <a:srgbClr val="000000"/>
                   </a:solidFill>
@@ -3611,7 +3616,7 @@
             </a:ln>
             <a:extLst>
               <a:ext uri="{91240B29-F687-4f45-9708-019B960494DF}">
-                <a14:hiddenLine xmlns:a14="http://schemas.microsoft.com/office/drawing/2010/main" xmlns="" w="9525">
+                <a14:hiddenLine xmlns="" xmlns:a14="http://schemas.microsoft.com/office/drawing/2010/main" w="9525">
                   <a:solidFill>
                     <a:srgbClr val="000000"/>
                   </a:solidFill>
@@ -3676,7 +3681,7 @@
             </a:ln>
             <a:extLst>
               <a:ext uri="{91240B29-F687-4f45-9708-019B960494DF}">
-                <a14:hiddenLine xmlns:a14="http://schemas.microsoft.com/office/drawing/2010/main" xmlns="" w="9525">
+                <a14:hiddenLine xmlns="" xmlns:a14="http://schemas.microsoft.com/office/drawing/2010/main" w="9525">
                   <a:solidFill>
                     <a:srgbClr val="000000"/>
                   </a:solidFill>
@@ -3738,7 +3743,7 @@
             </a:ln>
             <a:extLst>
               <a:ext uri="{91240B29-F687-4f45-9708-019B960494DF}">
-                <a14:hiddenLine xmlns:a14="http://schemas.microsoft.com/office/drawing/2010/main" xmlns="" w="9525">
+                <a14:hiddenLine xmlns="" xmlns:a14="http://schemas.microsoft.com/office/drawing/2010/main" w="9525">
                   <a:solidFill>
                     <a:srgbClr val="000000"/>
                   </a:solidFill>
@@ -3828,7 +3833,7 @@
             </a:ln>
             <a:extLst>
               <a:ext uri="{91240B29-F687-4f45-9708-019B960494DF}">
-                <a14:hiddenLine xmlns:a14="http://schemas.microsoft.com/office/drawing/2010/main" xmlns="" w="9525">
+                <a14:hiddenLine xmlns="" xmlns:a14="http://schemas.microsoft.com/office/drawing/2010/main" w="9525">
                   <a:solidFill>
                     <a:srgbClr val="000000"/>
                   </a:solidFill>
@@ -3918,7 +3923,7 @@
             </a:ln>
             <a:extLst>
               <a:ext uri="{91240B29-F687-4f45-9708-019B960494DF}">
-                <a14:hiddenLine xmlns:a14="http://schemas.microsoft.com/office/drawing/2010/main" xmlns="" w="9525">
+                <a14:hiddenLine xmlns="" xmlns:a14="http://schemas.microsoft.com/office/drawing/2010/main" w="9525">
                   <a:solidFill>
                     <a:srgbClr val="000000"/>
                   </a:solidFill>
@@ -3980,7 +3985,7 @@
             </a:ln>
             <a:extLst>
               <a:ext uri="{91240B29-F687-4f45-9708-019B960494DF}">
-                <a14:hiddenLine xmlns:a14="http://schemas.microsoft.com/office/drawing/2010/main" xmlns="" w="9525">
+                <a14:hiddenLine xmlns="" xmlns:a14="http://schemas.microsoft.com/office/drawing/2010/main" w="9525">
                   <a:solidFill>
                     <a:srgbClr val="000000"/>
                   </a:solidFill>
@@ -4100,7 +4105,7 @@
             </a:ln>
             <a:extLst>
               <a:ext uri="{91240B29-F687-4f45-9708-019B960494DF}">
-                <a14:hiddenLine xmlns:a14="http://schemas.microsoft.com/office/drawing/2010/main" xmlns="" w="9525">
+                <a14:hiddenLine xmlns="" xmlns:a14="http://schemas.microsoft.com/office/drawing/2010/main" w="9525">
                   <a:solidFill>
                     <a:srgbClr val="000000"/>
                   </a:solidFill>
@@ -4168,7 +4173,7 @@
             </a:ln>
             <a:extLst>
               <a:ext uri="{91240B29-F687-4f45-9708-019B960494DF}">
-                <a14:hiddenLine xmlns:a14="http://schemas.microsoft.com/office/drawing/2010/main" xmlns="" w="9525">
+                <a14:hiddenLine xmlns="" xmlns:a14="http://schemas.microsoft.com/office/drawing/2010/main" w="9525">
                   <a:solidFill>
                     <a:srgbClr val="000000"/>
                   </a:solidFill>
@@ -4258,7 +4263,7 @@
             </a:ln>
             <a:extLst>
               <a:ext uri="{91240B29-F687-4f45-9708-019B960494DF}">
-                <a14:hiddenLine xmlns:a14="http://schemas.microsoft.com/office/drawing/2010/main" xmlns="" w="9525">
+                <a14:hiddenLine xmlns="" xmlns:a14="http://schemas.microsoft.com/office/drawing/2010/main" w="9525">
                   <a:solidFill>
                     <a:srgbClr val="000000"/>
                   </a:solidFill>
@@ -4398,7 +4403,7 @@
           <a:p>
             <a:fld id="{48A87A34-81AB-432B-8DAE-1953F412C126}" type="datetimeFigureOut">
               <a:rPr lang="en-US" dirty="0"/>
-              <a:t>11/13/2022</a:t>
+              <a:t>11/16/22</a:t>
             </a:fld>
             <a:endParaRPr lang="en-US" dirty="0"/>
           </a:p>
@@ -4660,7 +4665,7 @@
           <a:p>
             <a:fld id="{48A87A34-81AB-432B-8DAE-1953F412C126}" type="datetimeFigureOut">
               <a:rPr lang="en-US" dirty="0"/>
-              <a:t>11/13/2022</a:t>
+              <a:t>11/16/22</a:t>
             </a:fld>
             <a:endParaRPr lang="en-US" dirty="0"/>
           </a:p>
@@ -4851,7 +4856,7 @@
           <a:p>
             <a:fld id="{48A87A34-81AB-432B-8DAE-1953F412C126}" type="datetimeFigureOut">
               <a:rPr lang="en-US" dirty="0"/>
-              <a:t>11/13/2022</a:t>
+              <a:t>11/16/22</a:t>
             </a:fld>
             <a:endParaRPr lang="en-US" dirty="0"/>
           </a:p>
@@ -5109,7 +5114,7 @@
           <a:p>
             <a:fld id="{48A87A34-81AB-432B-8DAE-1953F412C126}" type="datetimeFigureOut">
               <a:rPr lang="en-US" dirty="0"/>
-              <a:t>11/13/2022</a:t>
+              <a:t>11/16/22</a:t>
             </a:fld>
             <a:endParaRPr lang="en-US" dirty="0"/>
           </a:p>
@@ -5538,7 +5543,7 @@
           <a:p>
             <a:fld id="{48A87A34-81AB-432B-8DAE-1953F412C126}" type="datetimeFigureOut">
               <a:rPr lang="en-US" dirty="0"/>
-              <a:t>11/13/2022</a:t>
+              <a:t>11/16/22</a:t>
             </a:fld>
             <a:endParaRPr lang="en-US" dirty="0"/>
           </a:p>
@@ -6079,7 +6084,7 @@
           <a:p>
             <a:fld id="{48A87A34-81AB-432B-8DAE-1953F412C126}" type="datetimeFigureOut">
               <a:rPr lang="en-US" dirty="0"/>
-              <a:t>11/13/2022</a:t>
+              <a:t>11/16/22</a:t>
             </a:fld>
             <a:endParaRPr lang="en-US" dirty="0"/>
           </a:p>
@@ -6794,7 +6799,7 @@
           <a:p>
             <a:fld id="{48A87A34-81AB-432B-8DAE-1953F412C126}" type="datetimeFigureOut">
               <a:rPr lang="en-US" dirty="0"/>
-              <a:t>11/13/2022</a:t>
+              <a:t>11/16/22</a:t>
             </a:fld>
             <a:endParaRPr lang="en-US" dirty="0"/>
           </a:p>
@@ -6959,7 +6964,7 @@
           <a:p>
             <a:fld id="{48A87A34-81AB-432B-8DAE-1953F412C126}" type="datetimeFigureOut">
               <a:rPr lang="en-US" dirty="0"/>
-              <a:t>11/13/2022</a:t>
+              <a:t>11/16/22</a:t>
             </a:fld>
             <a:endParaRPr lang="en-US" dirty="0"/>
           </a:p>
@@ -7134,7 +7139,7 @@
           <a:p>
             <a:fld id="{48A87A34-81AB-432B-8DAE-1953F412C126}" type="datetimeFigureOut">
               <a:rPr lang="en-US" dirty="0"/>
-              <a:t>11/13/2022</a:t>
+              <a:t>11/16/22</a:t>
             </a:fld>
             <a:endParaRPr lang="en-US" dirty="0"/>
           </a:p>
@@ -7299,7 +7304,7 @@
           <a:p>
             <a:fld id="{48A87A34-81AB-432B-8DAE-1953F412C126}" type="datetimeFigureOut">
               <a:rPr lang="en-US" dirty="0"/>
-              <a:t>11/13/2022</a:t>
+              <a:t>11/16/22</a:t>
             </a:fld>
             <a:endParaRPr lang="en-US" dirty="0"/>
           </a:p>
@@ -7544,7 +7549,7 @@
           <a:p>
             <a:fld id="{48A87A34-81AB-432B-8DAE-1953F412C126}" type="datetimeFigureOut">
               <a:rPr lang="en-US" dirty="0"/>
-              <a:t>11/13/2022</a:t>
+              <a:t>11/16/22</a:t>
             </a:fld>
             <a:endParaRPr lang="en-US" dirty="0"/>
           </a:p>
@@ -7771,7 +7776,7 @@
           <a:p>
             <a:fld id="{48A87A34-81AB-432B-8DAE-1953F412C126}" type="datetimeFigureOut">
               <a:rPr lang="en-US" dirty="0"/>
-              <a:t>11/13/2022</a:t>
+              <a:t>11/16/22</a:t>
             </a:fld>
             <a:endParaRPr lang="en-US" dirty="0"/>
           </a:p>
@@ -8147,7 +8152,7 @@
           <a:p>
             <a:fld id="{48A87A34-81AB-432B-8DAE-1953F412C126}" type="datetimeFigureOut">
               <a:rPr lang="en-US" dirty="0"/>
-              <a:t>11/13/2022</a:t>
+              <a:t>11/16/22</a:t>
             </a:fld>
             <a:endParaRPr lang="en-US" dirty="0"/>
           </a:p>
@@ -8260,7 +8265,7 @@
           <a:p>
             <a:fld id="{48A87A34-81AB-432B-8DAE-1953F412C126}" type="datetimeFigureOut">
               <a:rPr lang="en-US" dirty="0"/>
-              <a:t>11/13/2022</a:t>
+              <a:t>11/16/22</a:t>
             </a:fld>
             <a:endParaRPr lang="en-US" dirty="0"/>
           </a:p>
@@ -8350,7 +8355,7 @@
           <a:p>
             <a:fld id="{48A87A34-81AB-432B-8DAE-1953F412C126}" type="datetimeFigureOut">
               <a:rPr lang="en-US" dirty="0"/>
-              <a:t>11/13/2022</a:t>
+              <a:t>11/16/22</a:t>
             </a:fld>
             <a:endParaRPr lang="en-US" dirty="0"/>
           </a:p>
@@ -8594,7 +8599,7 @@
           <a:p>
             <a:fld id="{48A87A34-81AB-432B-8DAE-1953F412C126}" type="datetimeFigureOut">
               <a:rPr lang="en-US" dirty="0"/>
-              <a:t>11/13/2022</a:t>
+              <a:t>11/16/22</a:t>
             </a:fld>
             <a:endParaRPr lang="en-US" dirty="0"/>
           </a:p>
@@ -8869,7 +8874,7 @@
           <a:p>
             <a:fld id="{48A87A34-81AB-432B-8DAE-1953F412C126}" type="datetimeFigureOut">
               <a:rPr lang="en-US" dirty="0"/>
-              <a:t>11/13/2022</a:t>
+              <a:t>11/16/22</a:t>
             </a:fld>
             <a:endParaRPr lang="en-US" dirty="0"/>
           </a:p>
@@ -8926,7 +8931,7 @@
 </file>
 
 <file path=ppt/slideMasters/slideMaster1.xml><?xml version="1.0" encoding="utf-8"?>
-<p:sldMaster xmlns:a="http://schemas.openxmlformats.org/drawingml/2006/main" xmlns:p="http://schemas.openxmlformats.org/presentationml/2006/main" xmlns:r="http://schemas.openxmlformats.org/officeDocument/2006/relationships">
+<p:sldMaster xmlns:a="http://schemas.openxmlformats.org/drawingml/2006/main" xmlns:r="http://schemas.openxmlformats.org/officeDocument/2006/relationships" xmlns:p="http://schemas.openxmlformats.org/presentationml/2006/main">
   <p:cSld>
     <p:bg>
       <p:bgRef idx="1003">
@@ -8949,9 +8954,9 @@
       </p:grpSpPr>
       <p:pic>
         <p:nvPicPr>
-          <p:cNvPr descr="\\DROBO-FS\QuickDrops\JB\PPTX NG\Droplets\LightingOverlay.png" id="7" name="Picture 2"/>
+          <p:cNvPr id="7" name="Picture 2" descr="\\DROBO-FS\QuickDrops\JB\PPTX NG\Droplets\LightingOverlay.png"/>
           <p:cNvPicPr>
-            <a:picLocks noChangeArrowheads="1" noChangeAspect="1"/>
+            <a:picLocks noChangeAspect="1" noChangeArrowheads="1"/>
           </p:cNvPicPr>
           <p:nvPr/>
         </p:nvPicPr>
@@ -8987,7 +8992,7 @@
           <a:noFill/>
           <a:extLst>
             <a:ext uri="{909E8E84-426E-40dd-AFC4-6F175D3DCCD1}">
-              <a14:hiddenFill xmlns="" xmlns:a14="http://schemas.microsoft.com/office/drawing/2010/main">
+              <a14:hiddenFill xmlns:a14="http://schemas.microsoft.com/office/drawing/2010/main" xmlns="">
                 <a:solidFill>
                   <a:srgbClr val="FFFFFF"/>
                 </a:solidFill>
@@ -9061,7 +9066,7 @@
               </a:ln>
               <a:extLst>
                 <a:ext uri="{91240B29-F687-4f45-9708-019B960494DF}">
-                  <a14:hiddenLine xmlns="" xmlns:a14="http://schemas.microsoft.com/office/drawing/2010/main" w="9525">
+                  <a14:hiddenLine xmlns:a14="http://schemas.microsoft.com/office/drawing/2010/main" xmlns="" w="9525">
                     <a:solidFill>
                       <a:srgbClr val="000000"/>
                     </a:solidFill>
@@ -9091,9 +9096,9 @@
                 <a:gdLst/>
                 <a:ahLst/>
                 <a:cxnLst/>
-                <a:rect b="b" l="0" r="r" t="0"/>
+                <a:rect l="0" t="0" r="r" b="b"/>
                 <a:pathLst>
-                  <a:path h="40" w="40">
+                  <a:path w="40" h="40">
                     <a:moveTo>
                       <a:pt x="20" y="40"/>
                     </a:moveTo>
@@ -9151,7 +9156,7 @@
               </a:ln>
               <a:extLst>
                 <a:ext uri="{91240B29-F687-4f45-9708-019B960494DF}">
-                  <a14:hiddenLine xmlns="" xmlns:a14="http://schemas.microsoft.com/office/drawing/2010/main" w="9525">
+                  <a14:hiddenLine xmlns:a14="http://schemas.microsoft.com/office/drawing/2010/main" xmlns="" w="9525">
                     <a:solidFill>
                       <a:srgbClr val="000000"/>
                     </a:solidFill>
@@ -9181,9 +9186,9 @@
                 <a:gdLst/>
                 <a:ahLst/>
                 <a:cxnLst/>
-                <a:rect b="b" l="0" r="r" t="0"/>
+                <a:rect l="0" t="0" r="r" b="b"/>
                 <a:pathLst>
-                  <a:path h="40" w="40">
+                  <a:path w="40" h="40">
                     <a:moveTo>
                       <a:pt x="20" y="40"/>
                     </a:moveTo>
@@ -9241,7 +9246,7 @@
               </a:ln>
               <a:extLst>
                 <a:ext uri="{91240B29-F687-4f45-9708-019B960494DF}">
-                  <a14:hiddenLine xmlns="" xmlns:a14="http://schemas.microsoft.com/office/drawing/2010/main" w="9525">
+                  <a14:hiddenLine xmlns:a14="http://schemas.microsoft.com/office/drawing/2010/main" xmlns="" w="9525">
                     <a:solidFill>
                       <a:srgbClr val="000000"/>
                     </a:solidFill>
@@ -9269,9 +9274,9 @@
                 <a:gdLst/>
                 <a:ahLst/>
                 <a:cxnLst/>
-                <a:rect b="b" l="0" r="r" t="0"/>
+                <a:rect l="0" t="0" r="r" b="b"/>
                 <a:pathLst>
-                  <a:path h="1141" w="233">
+                  <a:path w="233" h="1141">
                     <a:moveTo>
                       <a:pt x="218" y="1141"/>
                     </a:moveTo>
@@ -9303,7 +9308,7 @@
               </a:ln>
               <a:extLst>
                 <a:ext uri="{91240B29-F687-4f45-9708-019B960494DF}">
-                  <a14:hiddenLine xmlns="" xmlns:a14="http://schemas.microsoft.com/office/drawing/2010/main" w="9525">
+                  <a14:hiddenLine xmlns:a14="http://schemas.microsoft.com/office/drawing/2010/main" xmlns="" w="9525">
                     <a:solidFill>
                       <a:srgbClr val="000000"/>
                     </a:solidFill>
@@ -9333,9 +9338,9 @@
                 <a:gdLst/>
                 <a:ahLst/>
                 <a:cxnLst/>
-                <a:rect b="b" l="0" r="r" t="0"/>
+                <a:rect l="0" t="0" r="r" b="b"/>
                 <a:pathLst>
-                  <a:path h="40" w="40">
+                  <a:path w="40" h="40">
                     <a:moveTo>
                       <a:pt x="20" y="40"/>
                     </a:moveTo>
@@ -9393,7 +9398,7 @@
               </a:ln>
               <a:extLst>
                 <a:ext uri="{91240B29-F687-4f45-9708-019B960494DF}">
-                  <a14:hiddenLine xmlns="" xmlns:a14="http://schemas.microsoft.com/office/drawing/2010/main" w="9525">
+                  <a14:hiddenLine xmlns:a14="http://schemas.microsoft.com/office/drawing/2010/main" xmlns="" w="9525">
                     <a:solidFill>
                       <a:srgbClr val="000000"/>
                     </a:solidFill>
@@ -9421,9 +9426,9 @@
                 <a:gdLst/>
                 <a:ahLst/>
                 <a:cxnLst/>
-                <a:rect b="b" l="0" r="r" t="0"/>
+                <a:rect l="0" t="0" r="r" b="b"/>
                 <a:pathLst>
-                  <a:path h="901" w="233">
+                  <a:path w="233" h="901">
                     <a:moveTo>
                       <a:pt x="221" y="901"/>
                     </a:moveTo>
@@ -9455,7 +9460,7 @@
               </a:ln>
               <a:extLst>
                 <a:ext uri="{91240B29-F687-4f45-9708-019B960494DF}">
-                  <a14:hiddenLine xmlns="" xmlns:a14="http://schemas.microsoft.com/office/drawing/2010/main" w="9525">
+                  <a14:hiddenLine xmlns:a14="http://schemas.microsoft.com/office/drawing/2010/main" xmlns="" w="9525">
                     <a:solidFill>
                       <a:srgbClr val="000000"/>
                     </a:solidFill>
@@ -9483,9 +9488,9 @@
                 <a:gdLst/>
                 <a:ahLst/>
                 <a:cxnLst/>
-                <a:rect b="b" l="0" r="r" t="0"/>
+                <a:rect l="0" t="0" r="r" b="b"/>
                 <a:pathLst>
-                  <a:path h="575" w="96">
+                  <a:path w="96" h="575">
                     <a:moveTo>
                       <a:pt x="96" y="575"/>
                     </a:moveTo>
@@ -9517,7 +9522,7 @@
               </a:ln>
               <a:extLst>
                 <a:ext uri="{91240B29-F687-4f45-9708-019B960494DF}">
-                  <a14:hiddenLine xmlns="" xmlns:a14="http://schemas.microsoft.com/office/drawing/2010/main" w="9525">
+                  <a14:hiddenLine xmlns:a14="http://schemas.microsoft.com/office/drawing/2010/main" xmlns="" w="9525">
                     <a:solidFill>
                       <a:srgbClr val="000000"/>
                     </a:solidFill>
@@ -9547,9 +9552,9 @@
                 <a:gdLst/>
                 <a:ahLst/>
                 <a:cxnLst/>
-                <a:rect b="b" l="0" r="r" t="0"/>
+                <a:rect l="0" t="0" r="r" b="b"/>
                 <a:pathLst>
-                  <a:path h="40" w="40">
+                  <a:path w="40" h="40">
                     <a:moveTo>
                       <a:pt x="20" y="40"/>
                     </a:moveTo>
@@ -9607,7 +9612,7 @@
               </a:ln>
               <a:extLst>
                 <a:ext uri="{91240B29-F687-4f45-9708-019B960494DF}">
-                  <a14:hiddenLine xmlns="" xmlns:a14="http://schemas.microsoft.com/office/drawing/2010/main" w="9525">
+                  <a14:hiddenLine xmlns:a14="http://schemas.microsoft.com/office/drawing/2010/main" xmlns="" w="9525">
                     <a:solidFill>
                       <a:srgbClr val="000000"/>
                     </a:solidFill>
@@ -9637,9 +9642,9 @@
                 <a:gdLst/>
                 <a:ahLst/>
                 <a:cxnLst/>
-                <a:rect b="b" l="0" r="r" t="0"/>
+                <a:rect l="0" t="0" r="r" b="b"/>
                 <a:pathLst>
-                  <a:path h="40" w="40">
+                  <a:path w="40" h="40">
                     <a:moveTo>
                       <a:pt x="20" y="40"/>
                     </a:moveTo>
@@ -9697,7 +9702,7 @@
               </a:ln>
               <a:extLst>
                 <a:ext uri="{91240B29-F687-4f45-9708-019B960494DF}">
-                  <a14:hiddenLine xmlns="" xmlns:a14="http://schemas.microsoft.com/office/drawing/2010/main" w="9525">
+                  <a14:hiddenLine xmlns:a14="http://schemas.microsoft.com/office/drawing/2010/main" xmlns="" w="9525">
                     <a:solidFill>
                       <a:srgbClr val="000000"/>
                     </a:solidFill>
@@ -9725,9 +9730,9 @@
                 <a:gdLst/>
                 <a:ahLst/>
                 <a:cxnLst/>
-                <a:rect b="b" l="0" r="r" t="0"/>
+                <a:rect l="0" t="0" r="r" b="b"/>
                 <a:pathLst>
-                  <a:path h="332" w="266">
+                  <a:path w="266" h="332">
                     <a:moveTo>
                       <a:pt x="257" y="332"/>
                     </a:moveTo>
@@ -9759,7 +9764,7 @@
               </a:ln>
               <a:extLst>
                 <a:ext uri="{91240B29-F687-4f45-9708-019B960494DF}">
-                  <a14:hiddenLine xmlns="" xmlns:a14="http://schemas.microsoft.com/office/drawing/2010/main" w="9525">
+                  <a14:hiddenLine xmlns:a14="http://schemas.microsoft.com/office/drawing/2010/main" xmlns="" w="9525">
                     <a:solidFill>
                       <a:srgbClr val="000000"/>
                     </a:solidFill>
@@ -9789,9 +9794,9 @@
                 <a:gdLst/>
                 <a:ahLst/>
                 <a:cxnLst/>
-                <a:rect b="b" l="0" r="r" t="0"/>
+                <a:rect l="0" t="0" r="r" b="b"/>
                 <a:pathLst>
-                  <a:path h="31" w="34">
+                  <a:path w="34" h="31">
                     <a:moveTo>
                       <a:pt x="17" y="31"/>
                     </a:moveTo>
@@ -9869,7 +9874,7 @@
               </a:ln>
               <a:extLst>
                 <a:ext uri="{91240B29-F687-4f45-9708-019B960494DF}">
-                  <a14:hiddenLine xmlns="" xmlns:a14="http://schemas.microsoft.com/office/drawing/2010/main" w="9525">
+                  <a14:hiddenLine xmlns:a14="http://schemas.microsoft.com/office/drawing/2010/main" xmlns="" w="9525">
                     <a:solidFill>
                       <a:srgbClr val="000000"/>
                     </a:solidFill>
@@ -9898,7 +9903,7 @@
                 <a:avLst/>
               </a:prstGeom>
               <a:grpFill/>
-              <a:ln cap="flat" w="15">
+              <a:ln w="15" cap="flat">
                 <a:solidFill>
                   <a:srgbClr val="FFFFFF"/>
                 </a:solidFill>
@@ -9925,9 +9930,9 @@
                 <a:gdLst/>
                 <a:ahLst/>
                 <a:cxnLst/>
-                <a:rect b="b" l="0" r="r" t="0"/>
+                <a:rect l="0" t="0" r="r" b="b"/>
                 <a:pathLst>
-                  <a:path h="80" w="78">
+                  <a:path w="78" h="80">
                     <a:moveTo>
                       <a:pt x="6" y="80"/>
                     </a:moveTo>
@@ -9953,7 +9958,7 @@
               </a:ln>
               <a:extLst>
                 <a:ext uri="{91240B29-F687-4f45-9708-019B960494DF}">
-                  <a14:hiddenLine xmlns="" xmlns:a14="http://schemas.microsoft.com/office/drawing/2010/main" w="9525">
+                  <a14:hiddenLine xmlns:a14="http://schemas.microsoft.com/office/drawing/2010/main" xmlns="" w="9525">
                     <a:solidFill>
                       <a:srgbClr val="000000"/>
                     </a:solidFill>
@@ -9981,9 +9986,9 @@
                 <a:gdLst/>
                 <a:ahLst/>
                 <a:cxnLst/>
-                <a:rect b="b" l="0" r="r" t="0"/>
+                <a:rect l="0" t="0" r="r" b="b"/>
                 <a:pathLst>
-                  <a:path h="303" w="93">
+                  <a:path w="93" h="303">
                     <a:moveTo>
                       <a:pt x="93" y="303"/>
                     </a:moveTo>
@@ -10015,7 +10020,7 @@
               </a:ln>
               <a:extLst>
                 <a:ext uri="{91240B29-F687-4f45-9708-019B960494DF}">
-                  <a14:hiddenLine xmlns="" xmlns:a14="http://schemas.microsoft.com/office/drawing/2010/main" w="9525">
+                  <a14:hiddenLine xmlns:a14="http://schemas.microsoft.com/office/drawing/2010/main" xmlns="" w="9525">
                     <a:solidFill>
                       <a:srgbClr val="000000"/>
                     </a:solidFill>
@@ -10043,9 +10048,9 @@
                 <a:gdLst/>
                 <a:ahLst/>
                 <a:cxnLst/>
-                <a:rect b="b" l="0" r="r" t="0"/>
+                <a:rect l="0" t="0" r="r" b="b"/>
                 <a:pathLst>
-                  <a:path h="300" w="90">
+                  <a:path w="90" h="300">
                     <a:moveTo>
                       <a:pt x="90" y="300"/>
                     </a:moveTo>
@@ -10077,7 +10082,7 @@
               </a:ln>
               <a:extLst>
                 <a:ext uri="{91240B29-F687-4f45-9708-019B960494DF}">
-                  <a14:hiddenLine xmlns="" xmlns:a14="http://schemas.microsoft.com/office/drawing/2010/main" w="9525">
+                  <a14:hiddenLine xmlns:a14="http://schemas.microsoft.com/office/drawing/2010/main" xmlns="" w="9525">
                     <a:solidFill>
                       <a:srgbClr val="000000"/>
                     </a:solidFill>
@@ -10107,9 +10112,9 @@
                 <a:gdLst/>
                 <a:ahLst/>
                 <a:cxnLst/>
-                <a:rect b="b" l="0" r="r" t="0"/>
+                <a:rect l="0" t="0" r="r" b="b"/>
                 <a:pathLst>
-                  <a:path h="23" w="24">
+                  <a:path w="24" h="23">
                     <a:moveTo>
                       <a:pt x="12" y="23"/>
                     </a:moveTo>
@@ -10167,7 +10172,7 @@
               </a:ln>
               <a:extLst>
                 <a:ext uri="{91240B29-F687-4f45-9708-019B960494DF}">
-                  <a14:hiddenLine xmlns="" xmlns:a14="http://schemas.microsoft.com/office/drawing/2010/main" w="9525">
+                  <a14:hiddenLine xmlns:a14="http://schemas.microsoft.com/office/drawing/2010/main" xmlns="" w="9525">
                     <a:solidFill>
                       <a:srgbClr val="000000"/>
                     </a:solidFill>
@@ -10201,7 +10206,7 @@
               </a:ln>
               <a:extLst>
                 <a:ext uri="{91240B29-F687-4f45-9708-019B960494DF}">
-                  <a14:hiddenLine xmlns="" xmlns:a14="http://schemas.microsoft.com/office/drawing/2010/main" w="9525">
+                  <a14:hiddenLine xmlns:a14="http://schemas.microsoft.com/office/drawing/2010/main" xmlns="" w="9525">
                     <a:solidFill>
                       <a:srgbClr val="000000"/>
                     </a:solidFill>
@@ -10229,9 +10234,9 @@
                 <a:gdLst/>
                 <a:ahLst/>
                 <a:cxnLst/>
-                <a:rect b="b" l="0" r="r" t="0"/>
+                <a:rect l="0" t="0" r="r" b="b"/>
                 <a:pathLst>
-                  <a:path h="1135" w="233">
+                  <a:path w="233" h="1135">
                     <a:moveTo>
                       <a:pt x="15" y="1135"/>
                     </a:moveTo>
@@ -10266,7 +10271,7 @@
               </a:ln>
               <a:extLst>
                 <a:ext uri="{91240B29-F687-4f45-9708-019B960494DF}">
-                  <a14:hiddenLine xmlns="" xmlns:a14="http://schemas.microsoft.com/office/drawing/2010/main" w="9525">
+                  <a14:hiddenLine xmlns:a14="http://schemas.microsoft.com/office/drawing/2010/main" xmlns="" w="9525">
                     <a:solidFill>
                       <a:srgbClr val="000000"/>
                     </a:solidFill>
@@ -10296,9 +10301,9 @@
                 <a:gdLst/>
                 <a:ahLst/>
                 <a:cxnLst/>
-                <a:rect b="b" l="0" r="r" t="0"/>
+                <a:rect l="0" t="0" r="r" b="b"/>
                 <a:pathLst>
-                  <a:path h="40" w="40">
+                  <a:path w="40" h="40">
                     <a:moveTo>
                       <a:pt x="20" y="40"/>
                     </a:moveTo>
@@ -10356,7 +10361,7 @@
               </a:ln>
               <a:extLst>
                 <a:ext uri="{91240B29-F687-4f45-9708-019B960494DF}">
-                  <a14:hiddenLine xmlns="" xmlns:a14="http://schemas.microsoft.com/office/drawing/2010/main" w="9525">
+                  <a14:hiddenLine xmlns:a14="http://schemas.microsoft.com/office/drawing/2010/main" xmlns="" w="9525">
                     <a:solidFill>
                       <a:srgbClr val="000000"/>
                     </a:solidFill>
@@ -10384,9 +10389,9 @@
                 <a:gdLst/>
                 <a:ahLst/>
                 <a:cxnLst/>
-                <a:rect b="b" l="0" r="r" t="0"/>
+                <a:rect l="0" t="0" r="r" b="b"/>
                 <a:pathLst>
-                  <a:path h="766" w="54">
+                  <a:path w="54" h="766">
                     <a:moveTo>
                       <a:pt x="54" y="766"/>
                     </a:moveTo>
@@ -10418,7 +10423,7 @@
               </a:ln>
               <a:extLst>
                 <a:ext uri="{91240B29-F687-4f45-9708-019B960494DF}">
-                  <a14:hiddenLine xmlns="" xmlns:a14="http://schemas.microsoft.com/office/drawing/2010/main" w="9525">
+                  <a14:hiddenLine xmlns:a14="http://schemas.microsoft.com/office/drawing/2010/main" xmlns="" w="9525">
                     <a:solidFill>
                       <a:srgbClr val="000000"/>
                     </a:solidFill>
@@ -10448,9 +10453,9 @@
                 <a:gdLst/>
                 <a:ahLst/>
                 <a:cxnLst/>
-                <a:rect b="b" l="0" r="r" t="0"/>
+                <a:rect l="0" t="0" r="r" b="b"/>
                 <a:pathLst>
-                  <a:path h="40" w="40">
+                  <a:path w="40" h="40">
                     <a:moveTo>
                       <a:pt x="20" y="40"/>
                     </a:moveTo>
@@ -10508,7 +10513,7 @@
               </a:ln>
               <a:extLst>
                 <a:ext uri="{91240B29-F687-4f45-9708-019B960494DF}">
-                  <a14:hiddenLine xmlns="" xmlns:a14="http://schemas.microsoft.com/office/drawing/2010/main" w="9525">
+                  <a14:hiddenLine xmlns:a14="http://schemas.microsoft.com/office/drawing/2010/main" xmlns="" w="9525">
                     <a:solidFill>
                       <a:srgbClr val="000000"/>
                     </a:solidFill>
@@ -10536,9 +10541,9 @@
                 <a:gdLst/>
                 <a:ahLst/>
                 <a:cxnLst/>
-                <a:rect b="b" l="0" r="r" t="0"/>
+                <a:rect l="0" t="0" r="r" b="b"/>
                 <a:pathLst>
-                  <a:path h="898" w="236">
+                  <a:path w="236" h="898">
                     <a:moveTo>
                       <a:pt x="18" y="898"/>
                     </a:moveTo>
@@ -10573,7 +10578,7 @@
               </a:ln>
               <a:extLst>
                 <a:ext uri="{91240B29-F687-4f45-9708-019B960494DF}">
-                  <a14:hiddenLine xmlns="" xmlns:a14="http://schemas.microsoft.com/office/drawing/2010/main" w="9525">
+                  <a14:hiddenLine xmlns:a14="http://schemas.microsoft.com/office/drawing/2010/main" xmlns="" w="9525">
                     <a:solidFill>
                       <a:srgbClr val="000000"/>
                     </a:solidFill>
@@ -10601,9 +10606,9 @@
                 <a:gdLst/>
                 <a:ahLst/>
                 <a:cxnLst/>
-                <a:rect b="b" l="0" r="r" t="0"/>
+                <a:rect l="0" t="0" r="r" b="b"/>
                 <a:pathLst>
-                  <a:path h="575" w="96">
+                  <a:path w="96" h="575">
                     <a:moveTo>
                       <a:pt x="15" y="575"/>
                     </a:moveTo>
@@ -10635,7 +10640,7 @@
               </a:ln>
               <a:extLst>
                 <a:ext uri="{91240B29-F687-4f45-9708-019B960494DF}">
-                  <a14:hiddenLine xmlns="" xmlns:a14="http://schemas.microsoft.com/office/drawing/2010/main" w="9525">
+                  <a14:hiddenLine xmlns:a14="http://schemas.microsoft.com/office/drawing/2010/main" xmlns="" w="9525">
                     <a:solidFill>
                       <a:srgbClr val="000000"/>
                     </a:solidFill>
@@ -10665,9 +10670,9 @@
                 <a:gdLst/>
                 <a:ahLst/>
                 <a:cxnLst/>
-                <a:rect b="b" l="0" r="r" t="0"/>
+                <a:rect l="0" t="0" r="r" b="b"/>
                 <a:pathLst>
-                  <a:path h="40" w="40">
+                  <a:path w="40" h="40">
                     <a:moveTo>
                       <a:pt x="20" y="40"/>
                     </a:moveTo>
@@ -10725,7 +10730,7 @@
               </a:ln>
               <a:extLst>
                 <a:ext uri="{91240B29-F687-4f45-9708-019B960494DF}">
-                  <a14:hiddenLine xmlns="" xmlns:a14="http://schemas.microsoft.com/office/drawing/2010/main" w="9525">
+                  <a14:hiddenLine xmlns:a14="http://schemas.microsoft.com/office/drawing/2010/main" xmlns="" w="9525">
                     <a:solidFill>
                       <a:srgbClr val="000000"/>
                     </a:solidFill>
@@ -10755,9 +10760,9 @@
                 <a:gdLst/>
                 <a:ahLst/>
                 <a:cxnLst/>
-                <a:rect b="b" l="0" r="r" t="0"/>
+                <a:rect l="0" t="0" r="r" b="b"/>
                 <a:pathLst>
-                  <a:path h="40" w="40">
+                  <a:path w="40" h="40">
                     <a:moveTo>
                       <a:pt x="20" y="40"/>
                     </a:moveTo>
@@ -10815,7 +10820,7 @@
               </a:ln>
               <a:extLst>
                 <a:ext uri="{91240B29-F687-4f45-9708-019B960494DF}">
-                  <a14:hiddenLine xmlns="" xmlns:a14="http://schemas.microsoft.com/office/drawing/2010/main" w="9525">
+                  <a14:hiddenLine xmlns:a14="http://schemas.microsoft.com/office/drawing/2010/main" xmlns="" w="9525">
                     <a:solidFill>
                       <a:srgbClr val="000000"/>
                     </a:solidFill>
@@ -10843,9 +10848,9 @@
                 <a:gdLst/>
                 <a:ahLst/>
                 <a:cxnLst/>
-                <a:rect b="b" l="0" r="r" t="0"/>
+                <a:rect l="0" t="0" r="r" b="b"/>
                 <a:pathLst>
-                  <a:path h="326" w="263">
+                  <a:path w="263" h="326">
                     <a:moveTo>
                       <a:pt x="15" y="326"/>
                     </a:moveTo>
@@ -10880,7 +10885,7 @@
               </a:ln>
               <a:extLst>
                 <a:ext uri="{91240B29-F687-4f45-9708-019B960494DF}">
-                  <a14:hiddenLine xmlns="" xmlns:a14="http://schemas.microsoft.com/office/drawing/2010/main" w="9525">
+                  <a14:hiddenLine xmlns:a14="http://schemas.microsoft.com/office/drawing/2010/main" xmlns="" w="9525">
                     <a:solidFill>
                       <a:srgbClr val="000000"/>
                     </a:solidFill>
@@ -10910,9 +10915,9 @@
                 <a:gdLst/>
                 <a:ahLst/>
                 <a:cxnLst/>
-                <a:rect b="b" l="0" r="r" t="0"/>
+                <a:rect l="0" t="0" r="r" b="b"/>
                 <a:pathLst>
-                  <a:path h="31" w="33">
+                  <a:path w="33" h="31">
                     <a:moveTo>
                       <a:pt x="16" y="31"/>
                     </a:moveTo>
@@ -11000,7 +11005,7 @@
               </a:ln>
               <a:extLst>
                 <a:ext uri="{91240B29-F687-4f45-9708-019B960494DF}">
-                  <a14:hiddenLine xmlns="" xmlns:a14="http://schemas.microsoft.com/office/drawing/2010/main" w="9525">
+                  <a14:hiddenLine xmlns:a14="http://schemas.microsoft.com/office/drawing/2010/main" xmlns="" w="9525">
                     <a:solidFill>
                       <a:srgbClr val="000000"/>
                     </a:solidFill>
@@ -11044,9 +11049,9 @@
                 <a:gdLst/>
                 <a:ahLst/>
                 <a:cxnLst/>
-                <a:rect b="b" l="0" r="r" t="0"/>
+                <a:rect l="0" t="0" r="r" b="b"/>
                 <a:pathLst>
-                  <a:path h="323" w="263">
+                  <a:path w="263" h="323">
                     <a:moveTo>
                       <a:pt x="12" y="323"/>
                     </a:moveTo>
@@ -11081,7 +11086,7 @@
               </a:ln>
               <a:extLst>
                 <a:ext uri="{91240B29-F687-4f45-9708-019B960494DF}">
-                  <a14:hiddenLine xmlns="" xmlns:a14="http://schemas.microsoft.com/office/drawing/2010/main" w="9525">
+                  <a14:hiddenLine xmlns:a14="http://schemas.microsoft.com/office/drawing/2010/main" xmlns="" w="9525">
                     <a:solidFill>
                       <a:srgbClr val="000000"/>
                     </a:solidFill>
@@ -11111,9 +11116,9 @@
                 <a:gdLst/>
                 <a:ahLst/>
                 <a:cxnLst/>
-                <a:rect b="b" l="0" r="r" t="0"/>
+                <a:rect l="0" t="0" r="r" b="b"/>
                 <a:pathLst>
-                  <a:path h="32" w="33">
+                  <a:path w="33" h="32">
                     <a:moveTo>
                       <a:pt x="17" y="32"/>
                     </a:moveTo>
@@ -11196,7 +11201,7 @@
               </a:ln>
               <a:extLst>
                 <a:ext uri="{91240B29-F687-4f45-9708-019B960494DF}">
-                  <a14:hiddenLine xmlns="" xmlns:a14="http://schemas.microsoft.com/office/drawing/2010/main" w="9525">
+                  <a14:hiddenLine xmlns:a14="http://schemas.microsoft.com/office/drawing/2010/main" xmlns="" w="9525">
                     <a:solidFill>
                       <a:srgbClr val="000000"/>
                     </a:solidFill>
@@ -11226,9 +11231,9 @@
                 <a:gdLst/>
                 <a:ahLst/>
                 <a:cxnLst/>
-                <a:rect b="b" l="0" r="r" t="0"/>
+                <a:rect l="0" t="0" r="r" b="b"/>
                 <a:pathLst>
-                  <a:path h="40" w="40">
+                  <a:path w="40" h="40">
                     <a:moveTo>
                       <a:pt x="20" y="40"/>
                     </a:moveTo>
@@ -11286,7 +11291,7 @@
               </a:ln>
               <a:extLst>
                 <a:ext uri="{91240B29-F687-4f45-9708-019B960494DF}">
-                  <a14:hiddenLine xmlns="" xmlns:a14="http://schemas.microsoft.com/office/drawing/2010/main" w="9525">
+                  <a14:hiddenLine xmlns:a14="http://schemas.microsoft.com/office/drawing/2010/main" xmlns="" w="9525">
                     <a:solidFill>
                       <a:srgbClr val="000000"/>
                     </a:solidFill>
@@ -11314,9 +11319,9 @@
                 <a:gdLst/>
                 <a:ahLst/>
                 <a:cxnLst/>
-                <a:rect b="b" l="0" r="r" t="0"/>
+                <a:rect l="0" t="0" r="r" b="b"/>
                 <a:pathLst>
-                  <a:path h="727" w="188">
+                  <a:path w="188" h="727">
                     <a:moveTo>
                       <a:pt x="15" y="727"/>
                     </a:moveTo>
@@ -11351,7 +11356,7 @@
               </a:ln>
               <a:extLst>
                 <a:ext uri="{91240B29-F687-4f45-9708-019B960494DF}">
-                  <a14:hiddenLine xmlns="" xmlns:a14="http://schemas.microsoft.com/office/drawing/2010/main" w="9525">
+                  <a14:hiddenLine xmlns:a14="http://schemas.microsoft.com/office/drawing/2010/main" xmlns="" w="9525">
                     <a:solidFill>
                       <a:srgbClr val="000000"/>
                     </a:solidFill>
@@ -11381,9 +11386,9 @@
                 <a:gdLst/>
                 <a:ahLst/>
                 <a:cxnLst/>
-                <a:rect b="b" l="0" r="r" t="0"/>
+                <a:rect l="0" t="0" r="r" b="b"/>
                 <a:pathLst>
-                  <a:path h="33" w="33">
+                  <a:path w="33" h="33">
                     <a:moveTo>
                       <a:pt x="17" y="33"/>
                     </a:moveTo>
@@ -11441,7 +11446,7 @@
               </a:ln>
               <a:extLst>
                 <a:ext uri="{91240B29-F687-4f45-9708-019B960494DF}">
-                  <a14:hiddenLine xmlns="" xmlns:a14="http://schemas.microsoft.com/office/drawing/2010/main" w="9525">
+                  <a14:hiddenLine xmlns:a14="http://schemas.microsoft.com/office/drawing/2010/main" xmlns="" w="9525">
                     <a:solidFill>
                       <a:srgbClr val="000000"/>
                     </a:solidFill>
@@ -11469,9 +11474,9 @@
                 <a:gdLst/>
                 <a:ahLst/>
                 <a:cxnLst/>
-                <a:rect b="b" l="0" r="r" t="0"/>
+                <a:rect l="0" t="0" r="r" b="b"/>
                 <a:pathLst>
-                  <a:path h="973" w="192">
+                  <a:path w="192" h="973">
                     <a:moveTo>
                       <a:pt x="15" y="973"/>
                     </a:moveTo>
@@ -11509,7 +11514,7 @@
               </a:ln>
               <a:extLst>
                 <a:ext uri="{91240B29-F687-4f45-9708-019B960494DF}">
-                  <a14:hiddenLine xmlns="" xmlns:a14="http://schemas.microsoft.com/office/drawing/2010/main" w="9525">
+                  <a14:hiddenLine xmlns:a14="http://schemas.microsoft.com/office/drawing/2010/main" xmlns="" w="9525">
                     <a:solidFill>
                       <a:srgbClr val="000000"/>
                     </a:solidFill>
@@ -11539,9 +11544,9 @@
                 <a:gdLst/>
                 <a:ahLst/>
                 <a:cxnLst/>
-                <a:rect b="b" l="0" r="r" t="0"/>
+                <a:rect l="0" t="0" r="r" b="b"/>
                 <a:pathLst>
-                  <a:path h="40" w="40">
+                  <a:path w="40" h="40">
                     <a:moveTo>
                       <a:pt x="20" y="40"/>
                     </a:moveTo>
@@ -11599,7 +11604,7 @@
               </a:ln>
               <a:extLst>
                 <a:ext uri="{91240B29-F687-4f45-9708-019B960494DF}">
-                  <a14:hiddenLine xmlns="" xmlns:a14="http://schemas.microsoft.com/office/drawing/2010/main" w="9525">
+                  <a14:hiddenLine xmlns:a14="http://schemas.microsoft.com/office/drawing/2010/main" xmlns="" w="9525">
                     <a:solidFill>
                       <a:srgbClr val="000000"/>
                     </a:solidFill>
@@ -11627,9 +11632,9 @@
                 <a:gdLst/>
                 <a:ahLst/>
                 <a:cxnLst/>
-                <a:rect b="b" l="0" r="r" t="0"/>
+                <a:rect l="0" t="0" r="r" b="b"/>
                 <a:pathLst>
-                  <a:path h="1135" w="194">
+                  <a:path w="194" h="1135">
                     <a:moveTo>
                       <a:pt x="18" y="1135"/>
                     </a:moveTo>
@@ -11667,7 +11672,7 @@
               </a:ln>
               <a:extLst>
                 <a:ext uri="{91240B29-F687-4f45-9708-019B960494DF}">
-                  <a14:hiddenLine xmlns="" xmlns:a14="http://schemas.microsoft.com/office/drawing/2010/main" w="9525">
+                  <a14:hiddenLine xmlns:a14="http://schemas.microsoft.com/office/drawing/2010/main" xmlns="" w="9525">
                     <a:solidFill>
                       <a:srgbClr val="000000"/>
                     </a:solidFill>
@@ -11697,9 +11702,9 @@
                 <a:gdLst/>
                 <a:ahLst/>
                 <a:cxnLst/>
-                <a:rect b="b" l="0" r="r" t="0"/>
+                <a:rect l="0" t="0" r="r" b="b"/>
                 <a:pathLst>
-                  <a:path h="40" w="40">
+                  <a:path w="40" h="40">
                     <a:moveTo>
                       <a:pt x="20" y="40"/>
                     </a:moveTo>
@@ -11757,7 +11762,7 @@
               </a:ln>
               <a:extLst>
                 <a:ext uri="{91240B29-F687-4f45-9708-019B960494DF}">
-                  <a14:hiddenLine xmlns="" xmlns:a14="http://schemas.microsoft.com/office/drawing/2010/main" w="9525">
+                  <a14:hiddenLine xmlns:a14="http://schemas.microsoft.com/office/drawing/2010/main" xmlns="" w="9525">
                     <a:solidFill>
                       <a:srgbClr val="000000"/>
                     </a:solidFill>
@@ -11791,7 +11796,7 @@
               </a:ln>
               <a:extLst>
                 <a:ext uri="{91240B29-F687-4f45-9708-019B960494DF}">
-                  <a14:hiddenLine xmlns="" xmlns:a14="http://schemas.microsoft.com/office/drawing/2010/main" w="9525">
+                  <a14:hiddenLine xmlns:a14="http://schemas.microsoft.com/office/drawing/2010/main" xmlns="" w="9525">
                     <a:solidFill>
                       <a:srgbClr val="000000"/>
                     </a:solidFill>
@@ -11825,12 +11830,12 @@
           </a:prstGeom>
         </p:spPr>
         <p:txBody>
-          <a:bodyPr anchor="ctr" bIns="45720" lIns="91440" rIns="91440" rtlCol="0" tIns="45720" vert="horz">
+          <a:bodyPr vert="horz" lIns="91440" tIns="45720" rIns="91440" bIns="45720" rtlCol="0" anchor="ctr">
             <a:normAutofit/>
           </a:bodyPr>
           <a:lstStyle/>
           <a:p>
-            <a:endParaRPr dirty="0" lang="en-US"/>
+            <a:endParaRPr lang="en-US" dirty="0"/>
           </a:p>
         </p:txBody>
       </p:sp>
@@ -11841,7 +11846,7 @@
             <a:spLocks noGrp="1"/>
           </p:cNvSpPr>
           <p:nvPr>
-            <p:ph idx="1" type="body"/>
+            <p:ph type="body" idx="1"/>
           </p:nvPr>
         </p:nvSpPr>
         <p:spPr>
@@ -11854,7 +11859,7 @@
           </a:prstGeom>
         </p:spPr>
         <p:txBody>
-          <a:bodyPr bIns="45720" lIns="91440" rIns="91440" rtlCol="0" tIns="45720" vert="horz">
+          <a:bodyPr vert="horz" lIns="91440" tIns="45720" rIns="91440" bIns="45720" rtlCol="0">
             <a:normAutofit/>
           </a:bodyPr>
           <a:lstStyle/>
@@ -11892,7 +11897,7 @@
               <a:rPr lang="en-US"/>
               <a:t>Fifth level</a:t>
             </a:r>
-            <a:endParaRPr dirty="0" lang="en-US"/>
+            <a:endParaRPr lang="en-US" dirty="0"/>
           </a:p>
         </p:txBody>
       </p:sp>
@@ -11903,7 +11908,7 @@
             <a:spLocks noGrp="1"/>
           </p:cNvSpPr>
           <p:nvPr>
-            <p:ph idx="2" sz="half" type="dt"/>
+            <p:ph type="dt" sz="half" idx="2"/>
           </p:nvPr>
         </p:nvSpPr>
         <p:spPr>
@@ -11916,7 +11921,7 @@
           </a:prstGeom>
         </p:spPr>
         <p:txBody>
-          <a:bodyPr anchor="ctr" bIns="45720" lIns="91440" rIns="91440" rtlCol="0" tIns="45720" vert="horz"/>
+          <a:bodyPr vert="horz" lIns="91440" tIns="45720" rIns="91440" bIns="45720" rtlCol="0" anchor="ctr"/>
           <a:lstStyle>
             <a:lvl1pPr algn="r">
               <a:defRPr sz="1050">
@@ -11930,11 +11935,11 @@
           </a:lstStyle>
           <a:p>
             <a:fld id="{48A87A34-81AB-432B-8DAE-1953F412C126}" type="datetimeFigureOut">
-              <a:rPr dirty="0" lang="en-US"/>
+              <a:rPr lang="en-US" dirty="0"/>
               <a:pPr/>
-              <a:t>11/13/2022</a:t>
+              <a:t>11/16/22</a:t>
             </a:fld>
-            <a:endParaRPr dirty="0" lang="en-US"/>
+            <a:endParaRPr lang="en-US" dirty="0"/>
           </a:p>
         </p:txBody>
       </p:sp>
@@ -11945,7 +11950,7 @@
             <a:spLocks noGrp="1"/>
           </p:cNvSpPr>
           <p:nvPr>
-            <p:ph idx="3" sz="quarter" type="ftr"/>
+            <p:ph type="ftr" sz="quarter" idx="3"/>
           </p:nvPr>
         </p:nvSpPr>
         <p:spPr>
@@ -11958,10 +11963,10 @@
           </a:prstGeom>
         </p:spPr>
         <p:txBody>
-          <a:bodyPr anchor="ctr" bIns="45720" lIns="91440" rIns="91440" rtlCol="0" tIns="45720" vert="horz"/>
+          <a:bodyPr vert="horz" lIns="91440" tIns="45720" rIns="91440" bIns="45720" rtlCol="0" anchor="ctr"/>
           <a:lstStyle>
             <a:lvl1pPr algn="l">
-              <a:defRPr baseline="0" cap="all" sz="1050">
+              <a:defRPr sz="1050" cap="all" baseline="0">
                 <a:solidFill>
                   <a:schemeClr val="tx1">
                     <a:tint val="75000"/>
@@ -11971,7 +11976,7 @@
             </a:lvl1pPr>
           </a:lstStyle>
           <a:p>
-            <a:endParaRPr dirty="0" lang="en-US"/>
+            <a:endParaRPr lang="en-US" dirty="0"/>
           </a:p>
         </p:txBody>
       </p:sp>
@@ -11982,7 +11987,7 @@
             <a:spLocks noGrp="1"/>
           </p:cNvSpPr>
           <p:nvPr>
-            <p:ph idx="4" sz="quarter" type="sldNum"/>
+            <p:ph type="sldNum" sz="quarter" idx="4"/>
           </p:nvPr>
         </p:nvSpPr>
         <p:spPr>
@@ -11995,7 +12000,7 @@
           </a:prstGeom>
         </p:spPr>
         <p:txBody>
-          <a:bodyPr anchor="ctr" bIns="45720" lIns="91440" rIns="91440" rtlCol="0" tIns="45720" vert="horz"/>
+          <a:bodyPr vert="horz" lIns="91440" tIns="45720" rIns="91440" bIns="45720" rtlCol="0" anchor="ctr"/>
           <a:lstStyle>
             <a:lvl1pPr algn="r">
               <a:defRPr sz="1050">
@@ -12009,17 +12014,17 @@
           </a:lstStyle>
           <a:p>
             <a:fld id="{6D22F896-40B5-4ADD-8801-0D06FADFA095}" type="slidenum">
-              <a:rPr dirty="0" lang="en-US"/>
+              <a:rPr lang="en-US" dirty="0"/>
               <a:pPr/>
               <a:t>‹#›</a:t>
             </a:fld>
-            <a:endParaRPr dirty="0" lang="en-US"/>
+            <a:endParaRPr lang="en-US" dirty="0"/>
           </a:p>
         </p:txBody>
       </p:sp>
     </p:spTree>
   </p:cSld>
-  <p:clrMap accent1="accent1" accent2="accent2" accent3="accent3" accent4="accent4" accent5="accent5" accent6="accent6" bg1="dk1" bg2="dk2" folHlink="folHlink" hlink="hlink" tx1="lt1" tx2="lt2"/>
+  <p:clrMap bg1="dk1" tx1="lt1" bg2="dk2" tx2="lt2" accent1="accent1" accent2="accent2" accent3="accent3" accent4="accent4" accent5="accent5" accent6="accent6" hlink="hlink" folHlink="folHlink"/>
   <p:sldLayoutIdLst>
     <p:sldLayoutId id="2147483649" r:id="rId1"/>
     <p:sldLayoutId id="2147483650" r:id="rId2"/>
@@ -12041,7 +12046,7 @@
   </p:sldLayoutIdLst>
   <p:txStyles>
     <p:titleStyle>
-      <a:lvl1pPr algn="l" defTabSz="914400" eaLnBrk="1" hangingPunct="1" latinLnBrk="0" rtl="0">
+      <a:lvl1pPr algn="l" defTabSz="914400" rtl="0" eaLnBrk="1" latinLnBrk="0" hangingPunct="1">
         <a:lnSpc>
           <a:spcPct val="90000"/>
         </a:lnSpc>
@@ -12049,7 +12054,7 @@
           <a:spcPct val="0"/>
         </a:spcBef>
         <a:buNone/>
-        <a:defRPr baseline="0" cap="all" kern="1200" sz="3600">
+        <a:defRPr sz="3600" kern="1200" cap="all" baseline="0">
           <a:solidFill>
             <a:schemeClr val="tx1"/>
           </a:solidFill>
@@ -12060,7 +12065,7 @@
       </a:lvl1pPr>
     </p:titleStyle>
     <p:bodyStyle>
-      <a:lvl1pPr algn="l" defTabSz="914400" eaLnBrk="1" hangingPunct="1" indent="-228600" latinLnBrk="0" marL="228600" rtl="0">
+      <a:lvl1pPr marL="228600" indent="-228600" algn="l" defTabSz="914400" rtl="0" eaLnBrk="1" latinLnBrk="0" hangingPunct="1">
         <a:lnSpc>
           <a:spcPct val="120000"/>
         </a:lnSpc>
@@ -12068,9 +12073,9 @@
           <a:spcPts val="1000"/>
         </a:spcBef>
         <a:buSzPct val="125000"/>
-        <a:buFont charset="0" panose="020B0604020202020204" pitchFamily="34" typeface="Arial"/>
+        <a:buFont typeface="Arial" panose="020B0604020202020204" pitchFamily="34" charset="0"/>
         <a:buChar char="•"/>
-        <a:defRPr kern="1200" sz="2400">
+        <a:defRPr sz="2400" kern="1200">
           <a:solidFill>
             <a:schemeClr val="tx1"/>
           </a:solidFill>
@@ -12079,7 +12084,7 @@
           <a:cs typeface="+mn-cs"/>
         </a:defRPr>
       </a:lvl1pPr>
-      <a:lvl2pPr algn="l" defTabSz="914400" eaLnBrk="1" hangingPunct="1" indent="-228600" latinLnBrk="0" marL="685800" rtl="0">
+      <a:lvl2pPr marL="685800" indent="-228600" algn="l" defTabSz="914400" rtl="0" eaLnBrk="1" latinLnBrk="0" hangingPunct="1">
         <a:lnSpc>
           <a:spcPct val="120000"/>
         </a:lnSpc>
@@ -12087,9 +12092,9 @@
           <a:spcPts val="500"/>
         </a:spcBef>
         <a:buSzPct val="125000"/>
-        <a:buFont charset="0" panose="020B0604020202020204" pitchFamily="34" typeface="Arial"/>
+        <a:buFont typeface="Arial" panose="020B0604020202020204" pitchFamily="34" charset="0"/>
         <a:buChar char="•"/>
-        <a:defRPr kern="1200" sz="2000">
+        <a:defRPr sz="2000" kern="1200">
           <a:solidFill>
             <a:schemeClr val="tx1"/>
           </a:solidFill>
@@ -12098,7 +12103,7 @@
           <a:cs typeface="+mn-cs"/>
         </a:defRPr>
       </a:lvl2pPr>
-      <a:lvl3pPr algn="l" defTabSz="914400" eaLnBrk="1" hangingPunct="1" indent="-228600" latinLnBrk="0" marL="1143000" rtl="0">
+      <a:lvl3pPr marL="1143000" indent="-228600" algn="l" defTabSz="914400" rtl="0" eaLnBrk="1" latinLnBrk="0" hangingPunct="1">
         <a:lnSpc>
           <a:spcPct val="120000"/>
         </a:lnSpc>
@@ -12106,9 +12111,9 @@
           <a:spcPts val="500"/>
         </a:spcBef>
         <a:buSzPct val="125000"/>
-        <a:buFont charset="0" panose="020B0604020202020204" pitchFamily="34" typeface="Arial"/>
+        <a:buFont typeface="Arial" panose="020B0604020202020204" pitchFamily="34" charset="0"/>
         <a:buChar char="•"/>
-        <a:defRPr kern="1200" sz="1800">
+        <a:defRPr sz="1800" kern="1200">
           <a:solidFill>
             <a:schemeClr val="tx1"/>
           </a:solidFill>
@@ -12117,7 +12122,7 @@
           <a:cs typeface="+mn-cs"/>
         </a:defRPr>
       </a:lvl3pPr>
-      <a:lvl4pPr algn="l" defTabSz="914400" eaLnBrk="1" hangingPunct="1" indent="-228600" latinLnBrk="0" marL="1600200" rtl="0">
+      <a:lvl4pPr marL="1600200" indent="-228600" algn="l" defTabSz="914400" rtl="0" eaLnBrk="1" latinLnBrk="0" hangingPunct="1">
         <a:lnSpc>
           <a:spcPct val="120000"/>
         </a:lnSpc>
@@ -12125,9 +12130,9 @@
           <a:spcPts val="500"/>
         </a:spcBef>
         <a:buSzPct val="125000"/>
-        <a:buFont charset="0" panose="020B0604020202020204" pitchFamily="34" typeface="Arial"/>
+        <a:buFont typeface="Arial" panose="020B0604020202020204" pitchFamily="34" charset="0"/>
         <a:buChar char="•"/>
-        <a:defRPr kern="1200" sz="1600">
+        <a:defRPr sz="1600" kern="1200">
           <a:solidFill>
             <a:schemeClr val="tx1"/>
           </a:solidFill>
@@ -12136,7 +12141,7 @@
           <a:cs typeface="+mn-cs"/>
         </a:defRPr>
       </a:lvl4pPr>
-      <a:lvl5pPr algn="l" defTabSz="914400" eaLnBrk="1" hangingPunct="1" indent="-228600" latinLnBrk="0" marL="2057400" rtl="0">
+      <a:lvl5pPr marL="2057400" indent="-228600" algn="l" defTabSz="914400" rtl="0" eaLnBrk="1" latinLnBrk="0" hangingPunct="1">
         <a:lnSpc>
           <a:spcPct val="120000"/>
         </a:lnSpc>
@@ -12144,9 +12149,9 @@
           <a:spcPts val="500"/>
         </a:spcBef>
         <a:buSzPct val="125000"/>
-        <a:buFont charset="0" panose="020B0604020202020204" pitchFamily="34" typeface="Arial"/>
+        <a:buFont typeface="Arial" panose="020B0604020202020204" pitchFamily="34" charset="0"/>
         <a:buChar char="•"/>
-        <a:defRPr kern="1200" sz="1600">
+        <a:defRPr sz="1600" kern="1200">
           <a:solidFill>
             <a:schemeClr val="tx1"/>
           </a:solidFill>
@@ -12155,7 +12160,7 @@
           <a:cs typeface="+mn-cs"/>
         </a:defRPr>
       </a:lvl5pPr>
-      <a:lvl6pPr algn="l" defTabSz="914400" eaLnBrk="1" hangingPunct="1" indent="-228600" latinLnBrk="0" marL="2514600" rtl="0">
+      <a:lvl6pPr marL="2514600" indent="-228600" algn="l" defTabSz="914400" rtl="0" eaLnBrk="1" latinLnBrk="0" hangingPunct="1">
         <a:lnSpc>
           <a:spcPct val="120000"/>
         </a:lnSpc>
@@ -12163,9 +12168,9 @@
           <a:spcPts val="500"/>
         </a:spcBef>
         <a:buSzPct val="125000"/>
-        <a:buFont charset="0" panose="020B0604020202020204" pitchFamily="34" typeface="Arial"/>
+        <a:buFont typeface="Arial" panose="020B0604020202020204" pitchFamily="34" charset="0"/>
         <a:buChar char="•"/>
-        <a:defRPr kern="1200" sz="1400">
+        <a:defRPr sz="1400" kern="1200">
           <a:solidFill>
             <a:schemeClr val="tx1"/>
           </a:solidFill>
@@ -12174,7 +12179,7 @@
           <a:cs typeface="+mn-cs"/>
         </a:defRPr>
       </a:lvl6pPr>
-      <a:lvl7pPr algn="l" defTabSz="914400" eaLnBrk="1" hangingPunct="1" indent="-228600" latinLnBrk="0" marL="2971800" rtl="0">
+      <a:lvl7pPr marL="2971800" indent="-228600" algn="l" defTabSz="914400" rtl="0" eaLnBrk="1" latinLnBrk="0" hangingPunct="1">
         <a:lnSpc>
           <a:spcPct val="120000"/>
         </a:lnSpc>
@@ -12182,9 +12187,9 @@
           <a:spcPts val="500"/>
         </a:spcBef>
         <a:buSzPct val="125000"/>
-        <a:buFont charset="0" panose="020B0604020202020204" pitchFamily="34" typeface="Arial"/>
+        <a:buFont typeface="Arial" panose="020B0604020202020204" pitchFamily="34" charset="0"/>
         <a:buChar char="•"/>
-        <a:defRPr kern="1200" sz="1400">
+        <a:defRPr sz="1400" kern="1200">
           <a:solidFill>
             <a:schemeClr val="tx1"/>
           </a:solidFill>
@@ -12193,7 +12198,7 @@
           <a:cs typeface="+mn-cs"/>
         </a:defRPr>
       </a:lvl7pPr>
-      <a:lvl8pPr algn="l" defTabSz="914400" eaLnBrk="1" hangingPunct="1" indent="-228600" latinLnBrk="0" marL="3429000" rtl="0">
+      <a:lvl8pPr marL="3429000" indent="-228600" algn="l" defTabSz="914400" rtl="0" eaLnBrk="1" latinLnBrk="0" hangingPunct="1">
         <a:lnSpc>
           <a:spcPct val="120000"/>
         </a:lnSpc>
@@ -12201,9 +12206,9 @@
           <a:spcPts val="500"/>
         </a:spcBef>
         <a:buSzPct val="125000"/>
-        <a:buFont charset="0" panose="020B0604020202020204" pitchFamily="34" typeface="Arial"/>
+        <a:buFont typeface="Arial" panose="020B0604020202020204" pitchFamily="34" charset="0"/>
         <a:buChar char="•"/>
-        <a:defRPr kern="1200" sz="1400">
+        <a:defRPr sz="1400" kern="1200">
           <a:solidFill>
             <a:schemeClr val="tx1"/>
           </a:solidFill>
@@ -12212,7 +12217,7 @@
           <a:cs typeface="+mn-cs"/>
         </a:defRPr>
       </a:lvl8pPr>
-      <a:lvl9pPr algn="l" defTabSz="914400" eaLnBrk="1" hangingPunct="1" indent="-228600" latinLnBrk="0" marL="3886200" rtl="0">
+      <a:lvl9pPr marL="3886200" indent="-228600" algn="l" defTabSz="914400" rtl="0" eaLnBrk="1" latinLnBrk="0" hangingPunct="1">
         <a:lnSpc>
           <a:spcPct val="120000"/>
         </a:lnSpc>
@@ -12220,9 +12225,9 @@
           <a:spcPts val="500"/>
         </a:spcBef>
         <a:buSzPct val="125000"/>
-        <a:buFont charset="0" panose="020B0604020202020204" pitchFamily="34" typeface="Arial"/>
+        <a:buFont typeface="Arial" panose="020B0604020202020204" pitchFamily="34" charset="0"/>
         <a:buChar char="•"/>
-        <a:defRPr kern="1200" sz="1400">
+        <a:defRPr sz="1400" kern="1200">
           <a:solidFill>
             <a:schemeClr val="tx1"/>
           </a:solidFill>
@@ -12236,8 +12241,8 @@
       <a:defPPr>
         <a:defRPr lang="en-US"/>
       </a:defPPr>
-      <a:lvl1pPr algn="l" defTabSz="914400" eaLnBrk="1" hangingPunct="1" latinLnBrk="0" marL="0" rtl="0">
-        <a:defRPr kern="1200" sz="1800">
+      <a:lvl1pPr marL="0" algn="l" defTabSz="914400" rtl="0" eaLnBrk="1" latinLnBrk="0" hangingPunct="1">
+        <a:defRPr sz="1800" kern="1200">
           <a:solidFill>
             <a:schemeClr val="tx1"/>
           </a:solidFill>
@@ -12246,8 +12251,8 @@
           <a:cs typeface="+mn-cs"/>
         </a:defRPr>
       </a:lvl1pPr>
-      <a:lvl2pPr algn="l" defTabSz="914400" eaLnBrk="1" hangingPunct="1" latinLnBrk="0" marL="457200" rtl="0">
-        <a:defRPr kern="1200" sz="1800">
+      <a:lvl2pPr marL="457200" algn="l" defTabSz="914400" rtl="0" eaLnBrk="1" latinLnBrk="0" hangingPunct="1">
+        <a:defRPr sz="1800" kern="1200">
           <a:solidFill>
             <a:schemeClr val="tx1"/>
           </a:solidFill>
@@ -12256,8 +12261,8 @@
           <a:cs typeface="+mn-cs"/>
         </a:defRPr>
       </a:lvl2pPr>
-      <a:lvl3pPr algn="l" defTabSz="914400" eaLnBrk="1" hangingPunct="1" latinLnBrk="0" marL="914400" rtl="0">
-        <a:defRPr kern="1200" sz="1800">
+      <a:lvl3pPr marL="914400" algn="l" defTabSz="914400" rtl="0" eaLnBrk="1" latinLnBrk="0" hangingPunct="1">
+        <a:defRPr sz="1800" kern="1200">
           <a:solidFill>
             <a:schemeClr val="tx1"/>
           </a:solidFill>
@@ -12266,8 +12271,8 @@
           <a:cs typeface="+mn-cs"/>
         </a:defRPr>
       </a:lvl3pPr>
-      <a:lvl4pPr algn="l" defTabSz="914400" eaLnBrk="1" hangingPunct="1" latinLnBrk="0" marL="1371600" rtl="0">
-        <a:defRPr kern="1200" sz="1800">
+      <a:lvl4pPr marL="1371600" algn="l" defTabSz="914400" rtl="0" eaLnBrk="1" latinLnBrk="0" hangingPunct="1">
+        <a:defRPr sz="1800" kern="1200">
           <a:solidFill>
             <a:schemeClr val="tx1"/>
           </a:solidFill>
@@ -12276,8 +12281,8 @@
           <a:cs typeface="+mn-cs"/>
         </a:defRPr>
       </a:lvl4pPr>
-      <a:lvl5pPr algn="l" defTabSz="914400" eaLnBrk="1" hangingPunct="1" latinLnBrk="0" marL="1828800" rtl="0">
-        <a:defRPr kern="1200" sz="1800">
+      <a:lvl5pPr marL="1828800" algn="l" defTabSz="914400" rtl="0" eaLnBrk="1" latinLnBrk="0" hangingPunct="1">
+        <a:defRPr sz="1800" kern="1200">
           <a:solidFill>
             <a:schemeClr val="tx1"/>
           </a:solidFill>
@@ -12286,8 +12291,8 @@
           <a:cs typeface="+mn-cs"/>
         </a:defRPr>
       </a:lvl5pPr>
-      <a:lvl6pPr algn="l" defTabSz="914400" eaLnBrk="1" hangingPunct="1" latinLnBrk="0" marL="2286000" rtl="0">
-        <a:defRPr kern="1200" sz="1800">
+      <a:lvl6pPr marL="2286000" algn="l" defTabSz="914400" rtl="0" eaLnBrk="1" latinLnBrk="0" hangingPunct="1">
+        <a:defRPr sz="1800" kern="1200">
           <a:solidFill>
             <a:schemeClr val="tx1"/>
           </a:solidFill>
@@ -12296,8 +12301,8 @@
           <a:cs typeface="+mn-cs"/>
         </a:defRPr>
       </a:lvl6pPr>
-      <a:lvl7pPr algn="l" defTabSz="914400" eaLnBrk="1" hangingPunct="1" latinLnBrk="0" marL="2743200" rtl="0">
-        <a:defRPr kern="1200" sz="1800">
+      <a:lvl7pPr marL="2743200" algn="l" defTabSz="914400" rtl="0" eaLnBrk="1" latinLnBrk="0" hangingPunct="1">
+        <a:defRPr sz="1800" kern="1200">
           <a:solidFill>
             <a:schemeClr val="tx1"/>
           </a:solidFill>
@@ -12306,8 +12311,8 @@
           <a:cs typeface="+mn-cs"/>
         </a:defRPr>
       </a:lvl7pPr>
-      <a:lvl8pPr algn="l" defTabSz="914400" eaLnBrk="1" hangingPunct="1" latinLnBrk="0" marL="3200400" rtl="0">
-        <a:defRPr kern="1200" sz="1800">
+      <a:lvl8pPr marL="3200400" algn="l" defTabSz="914400" rtl="0" eaLnBrk="1" latinLnBrk="0" hangingPunct="1">
+        <a:defRPr sz="1800" kern="1200">
           <a:solidFill>
             <a:schemeClr val="tx1"/>
           </a:solidFill>
@@ -12316,8 +12321,8 @@
           <a:cs typeface="+mn-cs"/>
         </a:defRPr>
       </a:lvl8pPr>
-      <a:lvl9pPr algn="l" defTabSz="914400" eaLnBrk="1" hangingPunct="1" latinLnBrk="0" marL="3657600" rtl="0">
-        <a:defRPr kern="1200" sz="1800">
+      <a:lvl9pPr marL="3657600" algn="l" defTabSz="914400" rtl="0" eaLnBrk="1" latinLnBrk="0" hangingPunct="1">
+        <a:defRPr sz="1800" kern="1200">
           <a:solidFill>
             <a:schemeClr val="tx1"/>
           </a:solidFill>
@@ -12368,13 +12373,33 @@
           <a:bodyPr/>
           <a:lstStyle/>
           <a:p>
-            <a:pPr lvl="0" indent="0" marL="0">
+            <a:pPr marL="0" lvl="0" indent="0">
               <a:buNone/>
             </a:pPr>
             <a:r>
-              <a:rPr/>
-              <a:t>Network Graphs TidyGraph &amp; GGraph</a:t>
+              <a:rPr dirty="0"/>
+              <a:t>Network Graphs</a:t>
             </a:r>
+            <a:r>
+              <a:rPr lang="en-US" dirty="0"/>
+              <a:t>:</a:t>
+            </a:r>
+            <a:br>
+              <a:rPr lang="en-US" dirty="0"/>
+            </a:br>
+            <a:r>
+              <a:rPr dirty="0" err="1"/>
+              <a:t>TidyGraph</a:t>
+            </a:r>
+            <a:r>
+              <a:rPr dirty="0"/>
+              <a:t> &amp; </a:t>
+            </a:r>
+            <a:r>
+              <a:rPr dirty="0" err="1"/>
+              <a:t>GGraph</a:t>
+            </a:r>
+            <a:endParaRPr dirty="0"/>
           </a:p>
         </p:txBody>
       </p:sp>
@@ -12385,7 +12410,7 @@
             <a:spLocks noGrp="1"/>
           </p:cNvSpPr>
           <p:nvPr>
-            <p:ph idx="1" type="subTitle"/>
+            <p:ph type="subTitle" idx="1"/>
           </p:nvPr>
         </p:nvSpPr>
         <p:spPr>
@@ -12398,15 +12423,49 @@
           <a:bodyPr/>
           <a:lstStyle/>
           <a:p>
-            <a:pPr lvl="0" indent="0" marL="0">
+            <a:pPr marL="0" lvl="0" indent="0">
               <a:buNone/>
             </a:pPr>
-            <a:br/>
-            <a:br/>
+            <a:br>
+              <a:rPr dirty="0"/>
+            </a:br>
+            <a:br>
+              <a:rPr dirty="0"/>
+            </a:br>
             <a:r>
-              <a:rPr/>
-              <a:t>Radwa &amp; Rodrigo</a:t>
+              <a:rPr dirty="0" err="1"/>
+              <a:t>Radwa</a:t>
             </a:r>
+            <a:r>
+              <a:rPr dirty="0"/>
+              <a:t> </a:t>
+            </a:r>
+            <a:r>
+              <a:rPr lang="en-US" dirty="0" err="1"/>
+              <a:t>Abdelsalam</a:t>
+            </a:r>
+            <a:r>
+              <a:rPr lang="en-US" dirty="0"/>
+              <a:t> </a:t>
+            </a:r>
+            <a:r>
+              <a:rPr dirty="0"/>
+              <a:t>&amp; Rodrigo</a:t>
+            </a:r>
+            <a:r>
+              <a:rPr lang="en-US" dirty="0"/>
+              <a:t> DORNELLES</a:t>
+            </a:r>
+          </a:p>
+          <a:p>
+            <a:pPr marL="0" lvl="0" indent="0">
+              <a:buNone/>
+            </a:pPr>
+            <a:r>
+              <a:rPr lang="en-US" dirty="0"/>
+              <a:t>MDS 2024</a:t>
+            </a:r>
+            <a:endParaRPr dirty="0"/>
           </a:p>
         </p:txBody>
       </p:sp>
@@ -12417,7 +12476,7 @@
             <a:spLocks noGrp="1"/>
           </p:cNvSpPr>
           <p:nvPr>
-            <p:ph idx="10" sz="half" type="dt"/>
+            <p:ph type="dt" sz="half" idx="10"/>
           </p:nvPr>
         </p:nvSpPr>
         <p:spPr>
@@ -12430,11 +12489,10 @@
           <a:bodyPr/>
           <a:lstStyle/>
           <a:p>
-            <a:pPr lvl="0" indent="0" marL="0">
+            <a:pPr marL="0" lvl="0" indent="0">
               <a:buNone/>
             </a:pPr>
             <a:r>
-              <a:rPr/>
               <a:t>2022-11-16</a:t>
             </a:r>
           </a:p>
@@ -12442,6 +12500,9 @@
       </p:sp>
     </p:spTree>
   </p:cSld>
+  <p:clrMapOvr>
+    <a:masterClrMapping/>
+  </p:clrMapOvr>
 </p:sld>
 </file>
 
@@ -12477,11 +12538,10 @@
           <a:bodyPr/>
           <a:lstStyle/>
           <a:p>
-            <a:pPr lvl="0" indent="0" marL="0">
+            <a:pPr marL="0" lvl="0" indent="0">
               <a:buNone/>
             </a:pPr>
             <a:r>
-              <a:rPr/>
               <a:t>References</a:t>
             </a:r>
           </a:p>
@@ -12502,16 +12562,15 @@
           <a:bodyPr/>
           <a:lstStyle/>
           <a:p>
-            <a:pPr lvl="0" indent="0" marL="0">
+            <a:pPr marL="0" lvl="0" indent="0">
               <a:buNone/>
             </a:pPr>
             <a:r>
-              <a:rPr/>
               <a:t>Robins, G. (2013). A tutorial on methods for the modeling and analysis of social network data. Journal of Mathematical Psychology, 57(6), 261-274.</a:t>
             </a:r>
           </a:p>
           <a:p>
-            <a:pPr lvl="0" indent="0" marL="0">
+            <a:pPr marL="0" lvl="0" indent="0">
               <a:buNone/>
             </a:pPr>
             <a:r>
@@ -12525,6 +12584,9 @@
       </p:sp>
     </p:spTree>
   </p:cSld>
+  <p:clrMapOvr>
+    <a:masterClrMapping/>
+  </p:clrMapOvr>
 </p:sld>
 </file>
 
@@ -12560,11 +12622,10 @@
           <a:bodyPr/>
           <a:lstStyle/>
           <a:p>
-            <a:pPr lvl="0" indent="0" marL="0">
+            <a:pPr marL="0" lvl="0" indent="0">
               <a:buNone/>
             </a:pPr>
             <a:r>
-              <a:rPr/>
               <a:t>Network Graph</a:t>
             </a:r>
           </a:p>
@@ -12572,7 +12633,7 @@
       </p:sp>
       <p:pic>
         <p:nvPicPr>
-          <p:cNvPr descr="images/network_graph.png" id="0" name="Picture 1"/>
+          <p:cNvPr id="3" name="Picture 1" descr="images/network_graph.png"/>
           <p:cNvPicPr>
             <a:picLocks noGrp="1" noChangeAspect="1"/>
           </p:cNvPicPr>
@@ -12602,6 +12663,9 @@
       </p:pic>
     </p:spTree>
   </p:cSld>
+  <p:clrMapOvr>
+    <a:masterClrMapping/>
+  </p:clrMapOvr>
 </p:sld>
 </file>
 
@@ -12637,11 +12701,10 @@
           <a:bodyPr/>
           <a:lstStyle/>
           <a:p>
-            <a:pPr lvl="0" indent="0" marL="0">
+            <a:pPr marL="0" lvl="0" indent="0">
               <a:buNone/>
             </a:pPr>
             <a:r>
-              <a:rPr/>
               <a:t>Social network analysis</a:t>
             </a:r>
           </a:p>
@@ -12662,11 +12725,10 @@
           <a:bodyPr/>
           <a:lstStyle/>
           <a:p>
-            <a:pPr lvl="0" indent="0" marL="0">
+            <a:pPr marL="0" lvl="0" indent="0">
               <a:buNone/>
             </a:pPr>
             <a:r>
-              <a:rPr/>
               <a:t>“Health behaviors spread across social systems, crime is conducted through illicit networks, and community movements are prompted by social media. Social connections are crucial to each of these phenomena.” (Robins, 2013)</a:t>
             </a:r>
           </a:p>
@@ -12674,6 +12736,9 @@
       </p:sp>
     </p:spTree>
   </p:cSld>
+  <p:clrMapOvr>
+    <a:masterClrMapping/>
+  </p:clrMapOvr>
 </p:sld>
 </file>
 
@@ -12714,11 +12779,10 @@
           <a:bodyPr/>
           <a:lstStyle/>
           <a:p>
-            <a:pPr lvl="0" indent="0" marL="0">
+            <a:pPr marL="0" lvl="0" indent="0">
               <a:buNone/>
             </a:pPr>
             <a:r>
-              <a:rPr/>
               <a:t>Graph Theory</a:t>
             </a:r>
           </a:p>
@@ -12731,7 +12795,7 @@
             <a:spLocks noGrp="1"/>
           </p:cNvSpPr>
           <p:nvPr>
-            <p:ph idx="2" sz="half" type="body"/>
+            <p:ph type="body" sz="half" idx="2"/>
           </p:nvPr>
         </p:nvSpPr>
         <p:spPr/>
@@ -12739,20 +12803,18 @@
           <a:bodyPr/>
           <a:lstStyle/>
           <a:p>
-            <a:pPr lvl="0" indent="0" marL="0">
+            <a:pPr marL="0" lvl="0" indent="0">
               <a:buNone/>
             </a:pPr>
             <a:r>
-              <a:rPr/>
               <a:t>Unweighted and Undirected Graph</a:t>
             </a:r>
           </a:p>
           <a:p>
-            <a:pPr lvl="0" indent="0" marL="0">
+            <a:pPr marL="0" lvl="0" indent="0">
               <a:buNone/>
             </a:pPr>
             <a:r>
-              <a:rPr/>
               <a:t>Tom, Cherelle and Melanie live in the same house. They are connected but no direction and no weight</a:t>
             </a:r>
           </a:p>
@@ -12760,8 +12822,8 @@
       </p:sp>
       <p:pic>
         <p:nvPicPr>
-          <p:cNvPr descr="images/undirected_unweighted.png" id="0" name="Picture 1">
-            <a:hlinkClick r:id="rId3"/>
+          <p:cNvPr id="3" name="Picture 1" descr="images/undirected_unweighted.png">
+            <a:hlinkClick r:id="rId2"/>
           </p:cNvPr>
           <p:cNvPicPr>
             <a:picLocks noGrp="1" noChangeAspect="1"/>
@@ -12769,7 +12831,7 @@
           <p:nvPr/>
         </p:nvPicPr>
         <p:blipFill>
-          <a:blip r:embed="rId2"/>
+          <a:blip r:embed="rId3"/>
           <a:stretch>
             <a:fillRect/>
           </a:stretch>
@@ -12792,7 +12854,7 @@
       </p:pic>
       <p:sp>
         <p:nvSpPr>
-          <p:cNvPr id="1" name="TextBox 3"/>
+          <p:cNvPr id="5" name="TextBox 3"/>
           <p:cNvSpPr txBox="1"/>
           <p:nvPr/>
         </p:nvSpPr>
@@ -12810,11 +12872,10 @@
           <a:bodyPr/>
           <a:lstStyle/>
           <a:p>
-            <a:pPr lvl="0" indent="0" marL="0" algn="ctr">
+            <a:pPr marL="0" lvl="0" indent="0" algn="ctr">
               <a:buNone/>
             </a:pPr>
             <a:r>
-              <a:rPr/>
               <a:t>https://github.com/holtzy/Google-Scholar-Network</a:t>
             </a:r>
           </a:p>
@@ -12822,6 +12883,9 @@
       </p:sp>
     </p:spTree>
   </p:cSld>
+  <p:clrMapOvr>
+    <a:masterClrMapping/>
+  </p:clrMapOvr>
 </p:sld>
 </file>
 
@@ -12862,11 +12926,10 @@
           <a:bodyPr/>
           <a:lstStyle/>
           <a:p>
-            <a:pPr lvl="0" indent="0" marL="0">
+            <a:pPr marL="0" lvl="0" indent="0">
               <a:buNone/>
             </a:pPr>
             <a:r>
-              <a:rPr/>
               <a:t>Graph Theory</a:t>
             </a:r>
           </a:p>
@@ -12879,7 +12942,7 @@
             <a:spLocks noGrp="1"/>
           </p:cNvSpPr>
           <p:nvPr>
-            <p:ph idx="2" sz="half" type="body"/>
+            <p:ph type="body" sz="half" idx="2"/>
           </p:nvPr>
         </p:nvSpPr>
         <p:spPr/>
@@ -12887,20 +12950,18 @@
           <a:bodyPr/>
           <a:lstStyle/>
           <a:p>
-            <a:pPr lvl="0" indent="0" marL="0">
+            <a:pPr marL="0" lvl="0" indent="0">
               <a:buNone/>
             </a:pPr>
             <a:r>
-              <a:rPr/>
               <a:t>Undirected But Weighted</a:t>
             </a:r>
           </a:p>
           <a:p>
-            <a:pPr lvl="0" indent="0" marL="0">
+            <a:pPr marL="0" lvl="0" indent="0">
               <a:buNone/>
             </a:pPr>
             <a:r>
-              <a:rPr/>
               <a:t>Co-authors are connected if they published a scientific paper together. The weight is the number of time it happened.</a:t>
             </a:r>
           </a:p>
@@ -12908,8 +12969,8 @@
       </p:sp>
       <p:pic>
         <p:nvPicPr>
-          <p:cNvPr descr="images/undirected_weighted.png" id="0" name="Picture 1">
-            <a:hlinkClick r:id="rId3"/>
+          <p:cNvPr id="3" name="Picture 1" descr="images/undirected_weighted.png">
+            <a:hlinkClick r:id="rId2"/>
           </p:cNvPr>
           <p:cNvPicPr>
             <a:picLocks noGrp="1" noChangeAspect="1"/>
@@ -12917,7 +12978,7 @@
           <p:nvPr/>
         </p:nvPicPr>
         <p:blipFill>
-          <a:blip r:embed="rId2"/>
+          <a:blip r:embed="rId3"/>
           <a:stretch>
             <a:fillRect/>
           </a:stretch>
@@ -12940,7 +13001,7 @@
       </p:pic>
       <p:sp>
         <p:nvSpPr>
-          <p:cNvPr id="1" name="TextBox 3"/>
+          <p:cNvPr id="5" name="TextBox 3"/>
           <p:cNvSpPr txBox="1"/>
           <p:nvPr/>
         </p:nvSpPr>
@@ -12958,11 +13019,10 @@
           <a:bodyPr/>
           <a:lstStyle/>
           <a:p>
-            <a:pPr lvl="0" indent="0" marL="0" algn="ctr">
+            <a:pPr marL="0" lvl="0" indent="0" algn="ctr">
               <a:buNone/>
             </a:pPr>
             <a:r>
-              <a:rPr/>
               <a:t>https://github.com/holtzy/Google-Scholar-Network</a:t>
             </a:r>
           </a:p>
@@ -12970,6 +13030,9 @@
       </p:sp>
     </p:spTree>
   </p:cSld>
+  <p:clrMapOvr>
+    <a:masterClrMapping/>
+  </p:clrMapOvr>
 </p:sld>
 </file>
 
@@ -13010,11 +13073,10 @@
           <a:bodyPr/>
           <a:lstStyle/>
           <a:p>
-            <a:pPr lvl="0" indent="0" marL="0">
+            <a:pPr marL="0" lvl="0" indent="0">
               <a:buNone/>
             </a:pPr>
             <a:r>
-              <a:rPr/>
               <a:t>Graph Theory</a:t>
             </a:r>
           </a:p>
@@ -13027,7 +13089,7 @@
             <a:spLocks noGrp="1"/>
           </p:cNvSpPr>
           <p:nvPr>
-            <p:ph idx="2" sz="half" type="body"/>
+            <p:ph type="body" sz="half" idx="2"/>
           </p:nvPr>
         </p:nvSpPr>
         <p:spPr/>
@@ -13035,20 +13097,18 @@
           <a:bodyPr/>
           <a:lstStyle/>
           <a:p>
-            <a:pPr lvl="0" indent="0" marL="0">
+            <a:pPr marL="0" lvl="0" indent="0">
               <a:buNone/>
             </a:pPr>
             <a:r>
-              <a:rPr/>
               <a:t>Directed But Unweighted</a:t>
             </a:r>
           </a:p>
           <a:p>
-            <a:pPr lvl="0" indent="0" marL="0">
+            <a:pPr marL="0" lvl="0" indent="0">
               <a:buNone/>
             </a:pPr>
             <a:r>
-              <a:rPr/>
               <a:t>Tom follows Shirley on twitter, but the opposite is not necessarily true. The connection is unweighted, just connected or not.</a:t>
             </a:r>
           </a:p>
@@ -13056,8 +13116,8 @@
       </p:sp>
       <p:pic>
         <p:nvPicPr>
-          <p:cNvPr descr="images/directed_unweighted.png" id="0" name="Picture 1">
-            <a:hlinkClick r:id="rId3"/>
+          <p:cNvPr id="3" name="Picture 1" descr="images/directed_unweighted.png">
+            <a:hlinkClick r:id="rId2"/>
           </p:cNvPr>
           <p:cNvPicPr>
             <a:picLocks noGrp="1" noChangeAspect="1"/>
@@ -13065,7 +13125,7 @@
           <p:nvPr/>
         </p:nvPicPr>
         <p:blipFill>
-          <a:blip r:embed="rId2"/>
+          <a:blip r:embed="rId3"/>
           <a:stretch>
             <a:fillRect/>
           </a:stretch>
@@ -13088,7 +13148,7 @@
       </p:pic>
       <p:sp>
         <p:nvSpPr>
-          <p:cNvPr id="1" name="TextBox 3"/>
+          <p:cNvPr id="5" name="TextBox 3"/>
           <p:cNvSpPr txBox="1"/>
           <p:nvPr/>
         </p:nvSpPr>
@@ -13106,11 +13166,10 @@
           <a:bodyPr/>
           <a:lstStyle/>
           <a:p>
-            <a:pPr lvl="0" indent="0" marL="0" algn="ctr">
+            <a:pPr marL="0" lvl="0" indent="0" algn="ctr">
               <a:buNone/>
             </a:pPr>
             <a:r>
-              <a:rPr/>
               <a:t>https://github.com/holtzy/Google-Scholar-Network</a:t>
             </a:r>
           </a:p>
@@ -13118,6 +13177,9 @@
       </p:sp>
     </p:spTree>
   </p:cSld>
+  <p:clrMapOvr>
+    <a:masterClrMapping/>
+  </p:clrMapOvr>
 </p:sld>
 </file>
 
@@ -13158,11 +13220,10 @@
           <a:bodyPr/>
           <a:lstStyle/>
           <a:p>
-            <a:pPr lvl="0" indent="0" marL="0">
+            <a:pPr marL="0" lvl="0" indent="0">
               <a:buNone/>
             </a:pPr>
             <a:r>
-              <a:rPr/>
               <a:t>Graph Theory</a:t>
             </a:r>
           </a:p>
@@ -13175,7 +13236,7 @@
             <a:spLocks noGrp="1"/>
           </p:cNvSpPr>
           <p:nvPr>
-            <p:ph idx="2" sz="half" type="body"/>
+            <p:ph type="body" sz="half" idx="2"/>
           </p:nvPr>
         </p:nvSpPr>
         <p:spPr/>
@@ -13183,20 +13244,18 @@
           <a:bodyPr/>
           <a:lstStyle/>
           <a:p>
-            <a:pPr lvl="0" indent="0" marL="0">
+            <a:pPr marL="0" lvl="0" indent="0">
               <a:buNone/>
             </a:pPr>
             <a:r>
-              <a:rPr/>
               <a:t>Directed and Weighted</a:t>
             </a:r>
           </a:p>
           <a:p>
-            <a:pPr lvl="0" indent="0" marL="0">
+            <a:pPr marL="0" lvl="0" indent="0">
               <a:buNone/>
             </a:pPr>
             <a:r>
-              <a:rPr/>
               <a:t>People migrate from a country to another: the weight is the number of people, the direction is the destination.</a:t>
             </a:r>
           </a:p>
@@ -13204,8 +13263,8 @@
       </p:sp>
       <p:pic>
         <p:nvPicPr>
-          <p:cNvPr descr="images/directed_weighted.png" id="0" name="Picture 1">
-            <a:hlinkClick r:id="rId3"/>
+          <p:cNvPr id="3" name="Picture 1" descr="images/directed_weighted.png">
+            <a:hlinkClick r:id="rId2"/>
           </p:cNvPr>
           <p:cNvPicPr>
             <a:picLocks noGrp="1" noChangeAspect="1"/>
@@ -13213,7 +13272,7 @@
           <p:nvPr/>
         </p:nvPicPr>
         <p:blipFill>
-          <a:blip r:embed="rId2"/>
+          <a:blip r:embed="rId3"/>
           <a:stretch>
             <a:fillRect/>
           </a:stretch>
@@ -13236,7 +13295,7 @@
       </p:pic>
       <p:sp>
         <p:nvSpPr>
-          <p:cNvPr id="1" name="TextBox 3"/>
+          <p:cNvPr id="5" name="TextBox 3"/>
           <p:cNvSpPr txBox="1"/>
           <p:nvPr/>
         </p:nvSpPr>
@@ -13254,11 +13313,10 @@
           <a:bodyPr/>
           <a:lstStyle/>
           <a:p>
-            <a:pPr lvl="0" indent="0" marL="0" algn="ctr">
+            <a:pPr marL="0" lvl="0" indent="0" algn="ctr">
               <a:buNone/>
             </a:pPr>
             <a:r>
-              <a:rPr/>
               <a:t>https://github.com/holtzy/Google-Scholar-Network</a:t>
             </a:r>
           </a:p>
@@ -13266,6 +13324,9 @@
       </p:sp>
     </p:spTree>
   </p:cSld>
+  <p:clrMapOvr>
+    <a:masterClrMapping/>
+  </p:clrMapOvr>
 </p:sld>
 </file>
 
@@ -13301,11 +13362,10 @@
           <a:bodyPr/>
           <a:lstStyle/>
           <a:p>
-            <a:pPr lvl="0" indent="0" marL="0">
+            <a:pPr marL="0" lvl="0" indent="0">
               <a:buNone/>
             </a:pPr>
             <a:r>
-              <a:rPr/>
               <a:t>Graph Theory Algorithm</a:t>
             </a:r>
           </a:p>
@@ -13313,9 +13373,15 @@
       </p:sp>
       <p:pic>
         <p:nvPicPr>
-          <p:cNvPr descr="images/research_study_example.png" id="0" name="Picture 1"/>
+          <p:cNvPr id="6" name="Picture 5" descr="A picture containing background pattern&#10;&#10;Description automatically generated">
+            <a:extLst>
+              <a:ext uri="{FF2B5EF4-FFF2-40B4-BE49-F238E27FC236}">
+                <a16:creationId xmlns:a16="http://schemas.microsoft.com/office/drawing/2014/main" id="{7CC29F92-B34E-A9E7-82F8-2AA4733FEE2B}"/>
+              </a:ext>
+            </a:extLst>
+          </p:cNvPr>
           <p:cNvPicPr>
-            <a:picLocks noGrp="1" noChangeAspect="1"/>
+            <a:picLocks noChangeAspect="1"/>
           </p:cNvPicPr>
           <p:nvPr/>
         </p:nvPicPr>
@@ -13325,24 +13391,21 @@
             <a:fillRect/>
           </a:stretch>
         </p:blipFill>
-        <p:spPr bwMode="auto">
+        <p:spPr>
           <a:xfrm>
-            <a:off x="2971800" y="2247900"/>
-            <a:ext cx="6197600" cy="3530600"/>
+            <a:off x="2130912" y="2206625"/>
+            <a:ext cx="7708900" cy="3835400"/>
           </a:xfrm>
           <a:prstGeom prst="rect">
             <a:avLst/>
           </a:prstGeom>
-          <a:noFill/>
-          <a:ln w="9525">
-            <a:noFill/>
-            <a:headEnd/>
-            <a:tailEnd/>
-          </a:ln>
         </p:spPr>
       </p:pic>
     </p:spTree>
   </p:cSld>
+  <p:clrMapOvr>
+    <a:masterClrMapping/>
+  </p:clrMapOvr>
 </p:sld>
 </file>
 
@@ -13383,11 +13446,10 @@
           <a:bodyPr/>
           <a:lstStyle/>
           <a:p>
-            <a:pPr lvl="0" indent="0" marL="0">
+            <a:pPr marL="0" lvl="0" indent="0">
               <a:buNone/>
             </a:pPr>
             <a:r>
-              <a:rPr/>
               <a:t>Research study example</a:t>
             </a:r>
           </a:p>
@@ -13400,7 +13462,7 @@
             <a:spLocks noGrp="1"/>
           </p:cNvSpPr>
           <p:nvPr>
-            <p:ph idx="2" sz="half" type="body"/>
+            <p:ph type="body" sz="half" idx="2"/>
           </p:nvPr>
         </p:nvSpPr>
         <p:spPr/>
@@ -13408,11 +13470,10 @@
           <a:bodyPr/>
           <a:lstStyle/>
           <a:p>
-            <a:pPr lvl="0" indent="0" marL="0">
+            <a:pPr marL="0" lvl="0" indent="0">
               <a:buNone/>
             </a:pPr>
             <a:r>
-              <a:rPr/>
               <a:t>A study of 102 undergraduate students in a university college. The nodes represent participants and the links between them are friendships. The size of each node reflects the strength of alcohol usage. A typical network-based research question would be whether alcohol usage is associated with friendship among these students. (Robins, 2013)</a:t>
             </a:r>
           </a:p>
@@ -13420,7 +13481,7 @@
       </p:sp>
       <p:pic>
         <p:nvPicPr>
-          <p:cNvPr descr="images/research_study_example.png" id="0" name="Picture 1"/>
+          <p:cNvPr id="3" name="Picture 1" descr="images/research_study_example.png"/>
           <p:cNvPicPr>
             <a:picLocks noGrp="1" noChangeAspect="1"/>
           </p:cNvPicPr>
@@ -13450,6 +13511,9 @@
       </p:pic>
     </p:spTree>
   </p:cSld>
+  <p:clrMapOvr>
+    <a:masterClrMapping/>
+  </p:clrMapOvr>
 </p:sld>
 </file>
 
@@ -13702,265 +13766,4 @@
     </a:ext>
   </a:extLst>
 </a:theme>
-</file>
-
-<file path=ppt/theme/theme2.xml><?xml version="1.0" encoding="utf-8"?>
-<a:theme xmlns:a="http://schemas.openxmlformats.org/drawingml/2006/main" name="Office Theme">
-  <a:themeElements>
-    <a:clrScheme name="Office">
-      <a:dk1>
-        <a:sysClr val="windowText" lastClr="000000"/>
-      </a:dk1>
-      <a:lt1>
-        <a:sysClr val="window" lastClr="FFFFFF"/>
-      </a:lt1>
-      <a:dk2>
-        <a:srgbClr val="44546A"/>
-      </a:dk2>
-      <a:lt2>
-        <a:srgbClr val="E7E6E6"/>
-      </a:lt2>
-      <a:accent1>
-        <a:srgbClr val="5B9BD5"/>
-      </a:accent1>
-      <a:accent2>
-        <a:srgbClr val="ED7D31"/>
-      </a:accent2>
-      <a:accent3>
-        <a:srgbClr val="A5A5A5"/>
-      </a:accent3>
-      <a:accent4>
-        <a:srgbClr val="FFC000"/>
-      </a:accent4>
-      <a:accent5>
-        <a:srgbClr val="4472C4"/>
-      </a:accent5>
-      <a:accent6>
-        <a:srgbClr val="70AD47"/>
-      </a:accent6>
-      <a:hlink>
-        <a:srgbClr val="0563C1"/>
-      </a:hlink>
-      <a:folHlink>
-        <a:srgbClr val="954F72"/>
-      </a:folHlink>
-    </a:clrScheme>
-    <a:fontScheme name="Office">
-      <a:majorFont>
-        <a:latin typeface="Calibri Light" panose="020F0302020204030204"/>
-        <a:ea typeface=""/>
-        <a:cs typeface=""/>
-        <a:font script="Jpan" typeface="ＭＳ Ｐゴシック"/>
-        <a:font script="Hang" typeface="맑은 고딕"/>
-        <a:font script="Hans" typeface="宋体"/>
-        <a:font script="Hant" typeface="新細明體"/>
-        <a:font script="Arab" typeface="Times New Roman"/>
-        <a:font script="Hebr" typeface="Times New Roman"/>
-        <a:font script="Thai" typeface="Angsana New"/>
-        <a:font script="Ethi" typeface="Nyala"/>
-        <a:font script="Beng" typeface="Vrinda"/>
-        <a:font script="Gujr" typeface="Shruti"/>
-        <a:font script="Khmr" typeface="MoolBoran"/>
-        <a:font script="Knda" typeface="Tunga"/>
-        <a:font script="Guru" typeface="Raavi"/>
-        <a:font script="Cans" typeface="Euphemia"/>
-        <a:font script="Cher" typeface="Plantagenet Cherokee"/>
-        <a:font script="Yiii" typeface="Microsoft Yi Baiti"/>
-        <a:font script="Tibt" typeface="Microsoft Himalaya"/>
-        <a:font script="Thaa" typeface="MV Boli"/>
-        <a:font script="Deva" typeface="Mangal"/>
-        <a:font script="Telu" typeface="Gautami"/>
-        <a:font script="Taml" typeface="Latha"/>
-        <a:font script="Syrc" typeface="Estrangelo Edessa"/>
-        <a:font script="Orya" typeface="Kalinga"/>
-        <a:font script="Mlym" typeface="Kartika"/>
-        <a:font script="Laoo" typeface="DokChampa"/>
-        <a:font script="Sinh" typeface="Iskoola Pota"/>
-        <a:font script="Mong" typeface="Mongolian Baiti"/>
-        <a:font script="Viet" typeface="Times New Roman"/>
-        <a:font script="Uigh" typeface="Microsoft Uighur"/>
-        <a:font script="Geor" typeface="Sylfaen"/>
-      </a:majorFont>
-      <a:minorFont>
-        <a:latin typeface="Calibri" panose="020F0502020204030204"/>
-        <a:ea typeface=""/>
-        <a:cs typeface=""/>
-        <a:font script="Jpan" typeface="ＭＳ Ｐゴシック"/>
-        <a:font script="Hang" typeface="맑은 고딕"/>
-        <a:font script="Hans" typeface="宋体"/>
-        <a:font script="Hant" typeface="新細明體"/>
-        <a:font script="Arab" typeface="Arial"/>
-        <a:font script="Hebr" typeface="Arial"/>
-        <a:font script="Thai" typeface="Cordia New"/>
-        <a:font script="Ethi" typeface="Nyala"/>
-        <a:font script="Beng" typeface="Vrinda"/>
-        <a:font script="Gujr" typeface="Shruti"/>
-        <a:font script="Khmr" typeface="DaunPenh"/>
-        <a:font script="Knda" typeface="Tunga"/>
-        <a:font script="Guru" typeface="Raavi"/>
-        <a:font script="Cans" typeface="Euphemia"/>
-        <a:font script="Cher" typeface="Plantagenet Cherokee"/>
-        <a:font script="Yiii" typeface="Microsoft Yi Baiti"/>
-        <a:font script="Tibt" typeface="Microsoft Himalaya"/>
-        <a:font script="Thaa" typeface="MV Boli"/>
-        <a:font script="Deva" typeface="Mangal"/>
-        <a:font script="Telu" typeface="Gautami"/>
-        <a:font script="Taml" typeface="Latha"/>
-        <a:font script="Syrc" typeface="Estrangelo Edessa"/>
-        <a:font script="Orya" typeface="Kalinga"/>
-        <a:font script="Mlym" typeface="Kartika"/>
-        <a:font script="Laoo" typeface="DokChampa"/>
-        <a:font script="Sinh" typeface="Iskoola Pota"/>
-        <a:font script="Mong" typeface="Mongolian Baiti"/>
-        <a:font script="Viet" typeface="Arial"/>
-        <a:font script="Uigh" typeface="Microsoft Uighur"/>
-        <a:font script="Geor" typeface="Sylfaen"/>
-      </a:minorFont>
-    </a:fontScheme>
-    <a:fmtScheme name="Office">
-      <a:fillStyleLst>
-        <a:solidFill>
-          <a:schemeClr val="phClr"/>
-        </a:solidFill>
-        <a:gradFill rotWithShape="1">
-          <a:gsLst>
-            <a:gs pos="0">
-              <a:schemeClr val="phClr">
-                <a:lumMod val="110000"/>
-                <a:satMod val="105000"/>
-                <a:tint val="67000"/>
-              </a:schemeClr>
-            </a:gs>
-            <a:gs pos="50000">
-              <a:schemeClr val="phClr">
-                <a:lumMod val="105000"/>
-                <a:satMod val="103000"/>
-                <a:tint val="73000"/>
-              </a:schemeClr>
-            </a:gs>
-            <a:gs pos="100000">
-              <a:schemeClr val="phClr">
-                <a:lumMod val="105000"/>
-                <a:satMod val="109000"/>
-                <a:tint val="81000"/>
-              </a:schemeClr>
-            </a:gs>
-          </a:gsLst>
-          <a:lin ang="5400000" scaled="0"/>
-        </a:gradFill>
-        <a:gradFill rotWithShape="1">
-          <a:gsLst>
-            <a:gs pos="0">
-              <a:schemeClr val="phClr">
-                <a:satMod val="103000"/>
-                <a:lumMod val="102000"/>
-                <a:tint val="94000"/>
-              </a:schemeClr>
-            </a:gs>
-            <a:gs pos="50000">
-              <a:schemeClr val="phClr">
-                <a:satMod val="110000"/>
-                <a:lumMod val="100000"/>
-                <a:shade val="100000"/>
-              </a:schemeClr>
-            </a:gs>
-            <a:gs pos="100000">
-              <a:schemeClr val="phClr">
-                <a:lumMod val="99000"/>
-                <a:satMod val="120000"/>
-                <a:shade val="78000"/>
-              </a:schemeClr>
-            </a:gs>
-          </a:gsLst>
-          <a:lin ang="5400000" scaled="0"/>
-        </a:gradFill>
-      </a:fillStyleLst>
-      <a:lnStyleLst>
-        <a:ln w="6350" cap="flat" cmpd="sng" algn="ctr">
-          <a:solidFill>
-            <a:schemeClr val="phClr"/>
-          </a:solidFill>
-          <a:prstDash val="solid"/>
-          <a:miter lim="800000"/>
-        </a:ln>
-        <a:ln w="12700" cap="flat" cmpd="sng" algn="ctr">
-          <a:solidFill>
-            <a:schemeClr val="phClr"/>
-          </a:solidFill>
-          <a:prstDash val="solid"/>
-          <a:miter lim="800000"/>
-        </a:ln>
-        <a:ln w="19050" cap="flat" cmpd="sng" algn="ctr">
-          <a:solidFill>
-            <a:schemeClr val="phClr"/>
-          </a:solidFill>
-          <a:prstDash val="solid"/>
-          <a:miter lim="800000"/>
-        </a:ln>
-      </a:lnStyleLst>
-      <a:effectStyleLst>
-        <a:effectStyle>
-          <a:effectLst/>
-        </a:effectStyle>
-        <a:effectStyle>
-          <a:effectLst/>
-        </a:effectStyle>
-        <a:effectStyle>
-          <a:effectLst>
-            <a:outerShdw blurRad="57150" dist="19050" dir="5400000" algn="ctr" rotWithShape="0">
-              <a:srgbClr val="000000">
-                <a:alpha val="63000"/>
-              </a:srgbClr>
-            </a:outerShdw>
-          </a:effectLst>
-        </a:effectStyle>
-      </a:effectStyleLst>
-      <a:bgFillStyleLst>
-        <a:solidFill>
-          <a:schemeClr val="phClr"/>
-        </a:solidFill>
-        <a:solidFill>
-          <a:schemeClr val="phClr">
-            <a:tint val="95000"/>
-            <a:satMod val="170000"/>
-          </a:schemeClr>
-        </a:solidFill>
-        <a:gradFill rotWithShape="1">
-          <a:gsLst>
-            <a:gs pos="0">
-              <a:schemeClr val="phClr">
-                <a:tint val="93000"/>
-                <a:satMod val="150000"/>
-                <a:shade val="98000"/>
-                <a:lumMod val="102000"/>
-              </a:schemeClr>
-            </a:gs>
-            <a:gs pos="50000">
-              <a:schemeClr val="phClr">
-                <a:tint val="98000"/>
-                <a:satMod val="130000"/>
-                <a:shade val="90000"/>
-                <a:lumMod val="103000"/>
-              </a:schemeClr>
-            </a:gs>
-            <a:gs pos="100000">
-              <a:schemeClr val="phClr">
-                <a:shade val="63000"/>
-                <a:satMod val="120000"/>
-              </a:schemeClr>
-            </a:gs>
-          </a:gsLst>
-          <a:lin ang="5400000" scaled="0"/>
-        </a:gradFill>
-      </a:bgFillStyleLst>
-    </a:fmtScheme>
-  </a:themeElements>
-  <a:objectDefaults/>
-  <a:extraClrSchemeLst/>
-  <a:extLst>
-    <a:ext uri="{05A4C25C-085E-4340-85A3-A5531E510DB2}">
-      <thm15:themeFamily xmlns:thm15="http://schemas.microsoft.com/office/thememl/2012/main" name="Office Theme" id="{62F939B6-93AF-4DB8-9C6B-D6C7DFDC589F}" vid="{4A3C46E8-61CC-4603-A589-7422A47A8E4A}"/>
-    </a:ext>
-  </a:extLst>
-</a:theme>
 </file>